--- a/data/presentation_demo.pptx
+++ b/data/presentation_demo.pptx
@@ -2,7 +2,7 @@
 <file path=ppt/presentation.xml><?xml version="1.0" encoding="utf-8"?>
 <p:presentation xmlns:a="http://schemas.openxmlformats.org/drawingml/2006/main" xmlns:r="http://schemas.openxmlformats.org/officeDocument/2006/relationships" xmlns:p="http://schemas.openxmlformats.org/presentationml/2006/main" saveSubsetFonts="1">
   <p:sldMasterIdLst>
-    <p:sldMasterId id="2147483774" r:id="rId1"/>
+    <p:sldMasterId id="2147483798" r:id="rId1"/>
   </p:sldMasterIdLst>
   <p:sldIdLst>
     <p:sldId id="256" r:id="rId2"/>
@@ -118,15 +118,20 @@
   </p:defaultTextStyle>
   <p:extLst>
     <p:ext uri="{EFAFB233-063F-42B5-8137-9DF3F51BA10A}">
-      <p15:sldGuideLst xmlns:p15="http://schemas.microsoft.com/office/powerpoint/2012/main" xmlns=""/>
+      <p15:sldGuideLst xmlns="" xmlns:p15="http://schemas.microsoft.com/office/powerpoint/2012/main"/>
     </p:ext>
   </p:extLst>
 </p:presentation>
 </file>
 
 <file path=ppt/slideLayouts/slideLayout1.xml><?xml version="1.0" encoding="utf-8"?>
-<p:sldLayout xmlns:a="http://schemas.openxmlformats.org/drawingml/2006/main" xmlns:r="http://schemas.openxmlformats.org/officeDocument/2006/relationships" xmlns:p="http://schemas.openxmlformats.org/presentationml/2006/main" type="title" preserve="1">
+<p:sldLayout xmlns:a="http://schemas.openxmlformats.org/drawingml/2006/main" xmlns:r="http://schemas.openxmlformats.org/officeDocument/2006/relationships" xmlns:p="http://schemas.openxmlformats.org/presentationml/2006/main" showMasterSp="0" type="title" preserve="1">
   <p:cSld name="標題投影片">
+    <p:bg>
+      <p:bgRef idx="1002">
+        <a:schemeClr val="bg2"/>
+      </p:bgRef>
+    </p:bg>
     <p:spTree>
       <p:nvGrpSpPr>
         <p:cNvPr id="1" name=""/>
@@ -143,6 +148,53 @@
       </p:grpSpPr>
       <p:sp>
         <p:nvSpPr>
+          <p:cNvPr id="9" name="矩形 8"/>
+          <p:cNvSpPr/>
+          <p:nvPr/>
+        </p:nvSpPr>
+        <p:spPr bwMode="ltGray">
+          <a:xfrm>
+            <a:off x="1" y="0"/>
+            <a:ext cx="12191999" cy="5135430"/>
+          </a:xfrm>
+          <a:prstGeom prst="rect">
+            <a:avLst/>
+          </a:prstGeom>
+          <a:solidFill>
+            <a:srgbClr val="000000"/>
+          </a:solidFill>
+          <a:ln w="48000" cap="flat" cmpd="thickThin" algn="ctr">
+            <a:noFill/>
+            <a:prstDash val="solid"/>
+          </a:ln>
+        </p:spPr>
+        <p:style>
+          <a:lnRef idx="2">
+            <a:schemeClr val="accent1"/>
+          </a:lnRef>
+          <a:fillRef idx="1">
+            <a:schemeClr val="accent1"/>
+          </a:fillRef>
+          <a:effectRef idx="0">
+            <a:schemeClr val="accent1"/>
+          </a:effectRef>
+          <a:fontRef idx="minor">
+            <a:schemeClr val="lt1"/>
+          </a:fontRef>
+        </p:style>
+        <p:txBody>
+          <a:bodyPr rtlCol="0" anchor="ctr"/>
+          <a:lstStyle>
+            <a:extLst/>
+          </a:lstStyle>
+          <a:p>
+            <a:pPr algn="ctr" eaLnBrk="1" latinLnBrk="0" hangingPunct="1"/>
+            <a:endParaRPr kumimoji="0" lang="en-US"/>
+          </a:p>
+        </p:txBody>
+      </p:sp>
+      <p:sp>
+        <p:nvSpPr>
           <p:cNvPr id="2" name="標題 1"/>
           <p:cNvSpPr>
             <a:spLocks noGrp="1"/>
@@ -153,19 +205,35 @@
         </p:nvSpPr>
         <p:spPr>
           <a:xfrm>
-            <a:off x="914400" y="2130428"/>
-            <a:ext cx="10363200" cy="1470025"/>
+            <a:off x="914400" y="3355848"/>
+            <a:ext cx="10769600" cy="1673352"/>
           </a:xfrm>
         </p:spPr>
         <p:txBody>
-          <a:bodyPr/>
-          <a:lstStyle/>
+          <a:bodyPr vert="horz" lIns="91440" tIns="0" rIns="45720" bIns="0" rtlCol="0" anchor="t">
+            <a:normAutofit/>
+            <a:scene3d>
+              <a:camera prst="orthographicFront"/>
+              <a:lightRig rig="threePt" dir="t">
+                <a:rot lat="0" lon="0" rev="4800000"/>
+              </a:lightRig>
+            </a:scene3d>
+            <a:sp3d prstMaterial="matte">
+              <a:bevelT w="50800" h="10160"/>
+            </a:sp3d>
+          </a:bodyPr>
+          <a:lstStyle>
+            <a:lvl1pPr algn="l">
+              <a:defRPr sz="4700" b="1"/>
+            </a:lvl1pPr>
+            <a:extLst/>
+          </a:lstStyle>
           <a:p>
             <a:r>
-              <a:rPr lang="zh-TW" altLang="en-US" smtClean="0"/>
+              <a:rPr kumimoji="0" lang="zh-TW" altLang="en-US" smtClean="0"/>
               <a:t>按一下以編輯母片標題樣式</a:t>
             </a:r>
-            <a:endParaRPr lang="zh-TW" altLang="en-US"/>
+            <a:endParaRPr kumimoji="0" lang="en-US"/>
           </a:p>
         </p:txBody>
       </p:sp>
@@ -181,20 +249,18 @@
         </p:nvSpPr>
         <p:spPr>
           <a:xfrm>
-            <a:off x="1828800" y="3886200"/>
-            <a:ext cx="8534400" cy="1752600"/>
+            <a:off x="914400" y="1828800"/>
+            <a:ext cx="10769600" cy="1499616"/>
           </a:xfrm>
         </p:spPr>
         <p:txBody>
-          <a:bodyPr/>
+          <a:bodyPr lIns="118872" tIns="0" rIns="45720" bIns="0" anchor="b"/>
           <a:lstStyle>
-            <a:lvl1pPr marL="0" indent="0" algn="ctr">
+            <a:lvl1pPr marL="0" indent="0" algn="l">
               <a:buNone/>
-              <a:defRPr>
+              <a:defRPr sz="2000">
                 <a:solidFill>
-                  <a:schemeClr val="tx1">
-                    <a:tint val="75000"/>
-                  </a:schemeClr>
+                  <a:srgbClr val="FFFFFF"/>
                 </a:solidFill>
               </a:defRPr>
             </a:lvl1pPr>
@@ -278,13 +344,14 @@
                 </a:solidFill>
               </a:defRPr>
             </a:lvl9pPr>
+            <a:extLst/>
           </a:lstStyle>
           <a:p>
             <a:r>
-              <a:rPr lang="zh-TW" altLang="en-US" smtClean="0"/>
+              <a:rPr kumimoji="0" lang="zh-TW" altLang="en-US" smtClean="0"/>
               <a:t>按一下以編輯母片副標題樣式</a:t>
             </a:r>
-            <a:endParaRPr lang="zh-TW" altLang="en-US"/>
+            <a:endParaRPr kumimoji="0" lang="en-US"/>
           </a:p>
         </p:txBody>
       </p:sp>
@@ -355,10 +422,64 @@
           </a:p>
         </p:txBody>
       </p:sp>
+      <p:sp>
+        <p:nvSpPr>
+          <p:cNvPr id="10" name="矩形 9"/>
+          <p:cNvSpPr/>
+          <p:nvPr/>
+        </p:nvSpPr>
+        <p:spPr bwMode="invGray">
+          <a:xfrm>
+            <a:off x="0" y="5128334"/>
+            <a:ext cx="12192000" cy="45720"/>
+          </a:xfrm>
+          <a:prstGeom prst="rect">
+            <a:avLst/>
+          </a:prstGeom>
+          <a:solidFill>
+            <a:srgbClr val="FFFFFF"/>
+          </a:solidFill>
+          <a:ln w="48000" cap="flat" cmpd="thickThin" algn="ctr">
+            <a:noFill/>
+            <a:prstDash val="solid"/>
+          </a:ln>
+          <a:effectLst>
+            <a:outerShdw blurRad="31750" dist="10160" dir="5400000" algn="tl" rotWithShape="0">
+              <a:srgbClr val="000000">
+                <a:alpha val="60000"/>
+              </a:srgbClr>
+            </a:outerShdw>
+          </a:effectLst>
+        </p:spPr>
+        <p:style>
+          <a:lnRef idx="2">
+            <a:schemeClr val="accent1"/>
+          </a:lnRef>
+          <a:fillRef idx="1">
+            <a:schemeClr val="accent1"/>
+          </a:fillRef>
+          <a:effectRef idx="0">
+            <a:schemeClr val="accent1"/>
+          </a:effectRef>
+          <a:fontRef idx="minor">
+            <a:schemeClr val="lt1"/>
+          </a:fontRef>
+        </p:style>
+        <p:txBody>
+          <a:bodyPr rtlCol="0" anchor="ctr"/>
+          <a:lstStyle>
+            <a:extLst/>
+          </a:lstStyle>
+          <a:p>
+            <a:pPr algn="ctr" eaLnBrk="1" latinLnBrk="0" hangingPunct="1"/>
+            <a:endParaRPr kumimoji="0" lang="en-US"/>
+          </a:p>
+        </p:txBody>
+      </p:sp>
     </p:spTree>
   </p:cSld>
   <p:clrMapOvr>
-    <a:masterClrMapping/>
+    <a:overrideClrMapping bg1="dk1" tx1="lt1" bg2="dk2" tx2="lt2" accent1="accent1" accent2="accent2" accent3="accent3" accent4="accent4" accent5="accent5" accent6="accent6" hlink="hlink" folHlink="folHlink"/>
   </p:clrMapOvr>
   <p:transition spd="med">
     <p:cover dir="r"/>
@@ -403,13 +524,15 @@
         <p:spPr/>
         <p:txBody>
           <a:bodyPr/>
-          <a:lstStyle/>
+          <a:lstStyle>
+            <a:extLst/>
+          </a:lstStyle>
           <a:p>
             <a:r>
-              <a:rPr lang="zh-TW" altLang="en-US" smtClean="0"/>
+              <a:rPr kumimoji="0" lang="zh-TW" altLang="en-US" smtClean="0"/>
               <a:t>按一下以編輯母片標題樣式</a:t>
             </a:r>
-            <a:endParaRPr lang="zh-TW" altLang="en-US"/>
+            <a:endParaRPr kumimoji="0" lang="en-US"/>
           </a:p>
         </p:txBody>
       </p:sp>
@@ -426,42 +549,44 @@
         <p:spPr/>
         <p:txBody>
           <a:bodyPr vert="eaVert"/>
-          <a:lstStyle/>
+          <a:lstStyle>
+            <a:extLst/>
+          </a:lstStyle>
           <a:p>
-            <a:pPr lvl="0"/>
+            <a:pPr lvl="0" eaLnBrk="1" latinLnBrk="0" hangingPunct="1"/>
             <a:r>
               <a:rPr lang="zh-TW" altLang="en-US" smtClean="0"/>
               <a:t>按一下以編輯母片文字樣式</a:t>
             </a:r>
           </a:p>
           <a:p>
-            <a:pPr lvl="1"/>
+            <a:pPr lvl="1" eaLnBrk="1" latinLnBrk="0" hangingPunct="1"/>
             <a:r>
               <a:rPr lang="zh-TW" altLang="en-US" smtClean="0"/>
               <a:t>第二層</a:t>
             </a:r>
           </a:p>
           <a:p>
-            <a:pPr lvl="2"/>
+            <a:pPr lvl="2" eaLnBrk="1" latinLnBrk="0" hangingPunct="1"/>
             <a:r>
               <a:rPr lang="zh-TW" altLang="en-US" smtClean="0"/>
               <a:t>第三層</a:t>
             </a:r>
           </a:p>
           <a:p>
-            <a:pPr lvl="3"/>
+            <a:pPr lvl="3" eaLnBrk="1" latinLnBrk="0" hangingPunct="1"/>
             <a:r>
               <a:rPr lang="zh-TW" altLang="en-US" smtClean="0"/>
               <a:t>第四層</a:t>
             </a:r>
           </a:p>
           <a:p>
-            <a:pPr lvl="4"/>
+            <a:pPr lvl="4" eaLnBrk="1" latinLnBrk="0" hangingPunct="1"/>
             <a:r>
               <a:rPr lang="zh-TW" altLang="en-US" smtClean="0"/>
               <a:t>第五層</a:t>
             </a:r>
-            <a:endParaRPr lang="zh-TW" altLang="en-US"/>
+            <a:endParaRPr kumimoji="0" lang="en-US"/>
           </a:p>
         </p:txBody>
       </p:sp>
@@ -551,7 +676,7 @@
 </file>
 
 <file path=ppt/slideLayouts/slideLayout11.xml><?xml version="1.0" encoding="utf-8"?>
-<p:sldLayout xmlns:a="http://schemas.openxmlformats.org/drawingml/2006/main" xmlns:r="http://schemas.openxmlformats.org/officeDocument/2006/relationships" xmlns:p="http://schemas.openxmlformats.org/presentationml/2006/main" type="vertTitleAndTx" preserve="1">
+<p:sldLayout xmlns:a="http://schemas.openxmlformats.org/drawingml/2006/main" xmlns:r="http://schemas.openxmlformats.org/officeDocument/2006/relationships" xmlns:p="http://schemas.openxmlformats.org/presentationml/2006/main" showMasterSp="0" type="vertTitleAndTx" preserve="1">
   <p:cSld name="直排標題及文字">
     <p:spTree>
       <p:nvGrpSpPr>
@@ -569,6 +694,107 @@
       </p:grpSpPr>
       <p:sp>
         <p:nvSpPr>
+          <p:cNvPr id="9" name="矩形 8"/>
+          <p:cNvSpPr/>
+          <p:nvPr/>
+        </p:nvSpPr>
+        <p:spPr bwMode="invGray">
+          <a:xfrm>
+            <a:off x="8798560" y="0"/>
+            <a:ext cx="60960" cy="6858000"/>
+          </a:xfrm>
+          <a:prstGeom prst="rect">
+            <a:avLst/>
+          </a:prstGeom>
+          <a:solidFill>
+            <a:srgbClr val="FFFFFF"/>
+          </a:solidFill>
+          <a:ln w="48000" cap="flat" cmpd="thickThin" algn="ctr">
+            <a:noFill/>
+            <a:prstDash val="solid"/>
+          </a:ln>
+          <a:effectLst>
+            <a:outerShdw blurRad="31750" dist="10160" dir="10800000" algn="tl" rotWithShape="0">
+              <a:srgbClr val="000000">
+                <a:alpha val="60000"/>
+              </a:srgbClr>
+            </a:outerShdw>
+          </a:effectLst>
+        </p:spPr>
+        <p:style>
+          <a:lnRef idx="2">
+            <a:schemeClr val="accent1"/>
+          </a:lnRef>
+          <a:fillRef idx="1">
+            <a:schemeClr val="accent1"/>
+          </a:fillRef>
+          <a:effectRef idx="0">
+            <a:schemeClr val="accent1"/>
+          </a:effectRef>
+          <a:fontRef idx="minor">
+            <a:schemeClr val="lt1"/>
+          </a:fontRef>
+        </p:style>
+        <p:txBody>
+          <a:bodyPr rtlCol="0" anchor="ctr"/>
+          <a:lstStyle>
+            <a:extLst/>
+          </a:lstStyle>
+          <a:p>
+            <a:pPr algn="ctr" eaLnBrk="1" latinLnBrk="0" hangingPunct="1"/>
+            <a:endParaRPr kumimoji="0" lang="en-US"/>
+          </a:p>
+        </p:txBody>
+      </p:sp>
+      <p:sp>
+        <p:nvSpPr>
+          <p:cNvPr id="8" name="矩形 7"/>
+          <p:cNvSpPr/>
+          <p:nvPr/>
+        </p:nvSpPr>
+        <p:spPr bwMode="ltGray">
+          <a:xfrm>
+            <a:off x="8863584" y="0"/>
+            <a:ext cx="3352801" cy="6858000"/>
+          </a:xfrm>
+          <a:prstGeom prst="rect">
+            <a:avLst/>
+          </a:prstGeom>
+          <a:solidFill>
+            <a:srgbClr val="000000"/>
+          </a:solidFill>
+          <a:ln w="48000" cap="flat" cmpd="thickThin" algn="ctr">
+            <a:noFill/>
+            <a:prstDash val="solid"/>
+          </a:ln>
+        </p:spPr>
+        <p:style>
+          <a:lnRef idx="2">
+            <a:schemeClr val="accent1"/>
+          </a:lnRef>
+          <a:fillRef idx="1">
+            <a:schemeClr val="accent1"/>
+          </a:fillRef>
+          <a:effectRef idx="0">
+            <a:schemeClr val="accent1"/>
+          </a:effectRef>
+          <a:fontRef idx="minor">
+            <a:schemeClr val="lt1"/>
+          </a:fontRef>
+        </p:style>
+        <p:txBody>
+          <a:bodyPr rtlCol="0" anchor="ctr"/>
+          <a:lstStyle>
+            <a:extLst/>
+          </a:lstStyle>
+          <a:p>
+            <a:pPr algn="ctr" eaLnBrk="1" latinLnBrk="0" hangingPunct="1"/>
+            <a:endParaRPr kumimoji="0" lang="en-US"/>
+          </a:p>
+        </p:txBody>
+      </p:sp>
+      <p:sp>
+        <p:nvSpPr>
           <p:cNvPr id="2" name="直排標題 1"/>
           <p:cNvSpPr>
             <a:spLocks noGrp="1"/>
@@ -579,19 +805,21 @@
         </p:nvSpPr>
         <p:spPr>
           <a:xfrm>
-            <a:off x="11785600" y="274639"/>
-            <a:ext cx="3657600" cy="5851525"/>
+            <a:off x="9042400" y="274640"/>
+            <a:ext cx="2540000" cy="5851525"/>
           </a:xfrm>
         </p:spPr>
         <p:txBody>
           <a:bodyPr vert="eaVert"/>
-          <a:lstStyle/>
+          <a:lstStyle>
+            <a:extLst/>
+          </a:lstStyle>
           <a:p>
             <a:r>
-              <a:rPr lang="zh-TW" altLang="en-US" smtClean="0"/>
+              <a:rPr kumimoji="0" lang="zh-TW" altLang="en-US" smtClean="0"/>
               <a:t>按一下以編輯母片標題樣式</a:t>
             </a:r>
-            <a:endParaRPr lang="zh-TW" altLang="en-US"/>
+            <a:endParaRPr kumimoji="0" lang="en-US"/>
           </a:p>
         </p:txBody>
       </p:sp>
@@ -607,48 +835,50 @@
         </p:nvSpPr>
         <p:spPr>
           <a:xfrm>
-            <a:off x="812800" y="274639"/>
-            <a:ext cx="10769600" cy="5851525"/>
+            <a:off x="609600" y="304801"/>
+            <a:ext cx="8026400" cy="5851525"/>
           </a:xfrm>
         </p:spPr>
         <p:txBody>
           <a:bodyPr vert="eaVert"/>
-          <a:lstStyle/>
+          <a:lstStyle>
+            <a:extLst/>
+          </a:lstStyle>
           <a:p>
-            <a:pPr lvl="0"/>
+            <a:pPr lvl="0" eaLnBrk="1" latinLnBrk="0" hangingPunct="1"/>
             <a:r>
               <a:rPr lang="zh-TW" altLang="en-US" smtClean="0"/>
               <a:t>按一下以編輯母片文字樣式</a:t>
             </a:r>
           </a:p>
           <a:p>
-            <a:pPr lvl="1"/>
+            <a:pPr lvl="1" eaLnBrk="1" latinLnBrk="0" hangingPunct="1"/>
             <a:r>
               <a:rPr lang="zh-TW" altLang="en-US" smtClean="0"/>
               <a:t>第二層</a:t>
             </a:r>
           </a:p>
           <a:p>
-            <a:pPr lvl="2"/>
+            <a:pPr lvl="2" eaLnBrk="1" latinLnBrk="0" hangingPunct="1"/>
             <a:r>
               <a:rPr lang="zh-TW" altLang="en-US" smtClean="0"/>
               <a:t>第三層</a:t>
             </a:r>
           </a:p>
           <a:p>
-            <a:pPr lvl="3"/>
+            <a:pPr lvl="3" eaLnBrk="1" latinLnBrk="0" hangingPunct="1"/>
             <a:r>
               <a:rPr lang="zh-TW" altLang="en-US" smtClean="0"/>
               <a:t>第四層</a:t>
             </a:r>
           </a:p>
           <a:p>
-            <a:pPr lvl="4"/>
+            <a:pPr lvl="4" eaLnBrk="1" latinLnBrk="0" hangingPunct="1"/>
             <a:r>
               <a:rPr lang="zh-TW" altLang="en-US" smtClean="0"/>
               <a:t>第五層</a:t>
             </a:r>
-            <a:endParaRPr lang="zh-TW" altLang="en-US"/>
+            <a:endParaRPr kumimoji="0" lang="en-US"/>
           </a:p>
         </p:txBody>
       </p:sp>
@@ -686,7 +916,12 @@
             <p:ph type="ftr" sz="quarter" idx="11"/>
           </p:nvPr>
         </p:nvSpPr>
-        <p:spPr/>
+        <p:spPr>
+          <a:xfrm>
+            <a:off x="3520796" y="6377460"/>
+            <a:ext cx="5115205" cy="365125"/>
+          </a:xfrm>
+        </p:spPr>
         <p:txBody>
           <a:bodyPr/>
           <a:lstStyle/>
@@ -764,16 +999,23 @@
             <p:ph type="title"/>
           </p:nvPr>
         </p:nvSpPr>
-        <p:spPr/>
+        <p:spPr>
+          <a:xfrm>
+            <a:off x="609600" y="155448"/>
+            <a:ext cx="10972800" cy="1252728"/>
+          </a:xfrm>
+        </p:spPr>
         <p:txBody>
           <a:bodyPr/>
-          <a:lstStyle/>
+          <a:lstStyle>
+            <a:extLst/>
+          </a:lstStyle>
           <a:p>
             <a:r>
-              <a:rPr lang="zh-TW" altLang="en-US" smtClean="0"/>
+              <a:rPr kumimoji="0" lang="zh-TW" altLang="en-US" smtClean="0"/>
               <a:t>按一下以編輯母片標題樣式</a:t>
             </a:r>
-            <a:endParaRPr lang="zh-TW" altLang="en-US"/>
+            <a:endParaRPr kumimoji="0" lang="en-US"/>
           </a:p>
         </p:txBody>
       </p:sp>
@@ -790,42 +1032,44 @@
         <p:spPr/>
         <p:txBody>
           <a:bodyPr/>
-          <a:lstStyle/>
+          <a:lstStyle>
+            <a:extLst/>
+          </a:lstStyle>
           <a:p>
-            <a:pPr lvl="0"/>
+            <a:pPr lvl="0" eaLnBrk="1" latinLnBrk="0" hangingPunct="1"/>
             <a:r>
               <a:rPr lang="zh-TW" altLang="en-US" smtClean="0"/>
               <a:t>按一下以編輯母片文字樣式</a:t>
             </a:r>
           </a:p>
           <a:p>
-            <a:pPr lvl="1"/>
+            <a:pPr lvl="1" eaLnBrk="1" latinLnBrk="0" hangingPunct="1"/>
             <a:r>
               <a:rPr lang="zh-TW" altLang="en-US" smtClean="0"/>
               <a:t>第二層</a:t>
             </a:r>
           </a:p>
           <a:p>
-            <a:pPr lvl="2"/>
+            <a:pPr lvl="2" eaLnBrk="1" latinLnBrk="0" hangingPunct="1"/>
             <a:r>
               <a:rPr lang="zh-TW" altLang="en-US" smtClean="0"/>
               <a:t>第三層</a:t>
             </a:r>
           </a:p>
           <a:p>
-            <a:pPr lvl="3"/>
+            <a:pPr lvl="3" eaLnBrk="1" latinLnBrk="0" hangingPunct="1"/>
             <a:r>
               <a:rPr lang="zh-TW" altLang="en-US" smtClean="0"/>
               <a:t>第四層</a:t>
             </a:r>
           </a:p>
           <a:p>
-            <a:pPr lvl="4"/>
+            <a:pPr lvl="4" eaLnBrk="1" latinLnBrk="0" hangingPunct="1"/>
             <a:r>
               <a:rPr lang="zh-TW" altLang="en-US" smtClean="0"/>
               <a:t>第五層</a:t>
             </a:r>
-            <a:endParaRPr lang="zh-TW" altLang="en-US"/>
+            <a:endParaRPr kumimoji="0" lang="en-US"/>
           </a:p>
         </p:txBody>
       </p:sp>
@@ -915,8 +1159,13 @@
 </file>
 
 <file path=ppt/slideLayouts/slideLayout3.xml><?xml version="1.0" encoding="utf-8"?>
-<p:sldLayout xmlns:a="http://schemas.openxmlformats.org/drawingml/2006/main" xmlns:r="http://schemas.openxmlformats.org/officeDocument/2006/relationships" xmlns:p="http://schemas.openxmlformats.org/presentationml/2006/main" type="secHead" preserve="1">
+<p:sldLayout xmlns:a="http://schemas.openxmlformats.org/drawingml/2006/main" xmlns:r="http://schemas.openxmlformats.org/officeDocument/2006/relationships" xmlns:p="http://schemas.openxmlformats.org/presentationml/2006/main" showMasterSp="0" type="secHead" preserve="1">
   <p:cSld name="區段標題">
+    <p:bg>
+      <p:bgRef idx="1002">
+        <a:schemeClr val="bg2"/>
+      </p:bgRef>
+    </p:bg>
     <p:spTree>
       <p:nvGrpSpPr>
         <p:cNvPr id="1" name=""/>
@@ -933,6 +1182,107 @@
       </p:grpSpPr>
       <p:sp>
         <p:nvSpPr>
+          <p:cNvPr id="9" name="矩形 8"/>
+          <p:cNvSpPr/>
+          <p:nvPr/>
+        </p:nvSpPr>
+        <p:spPr bwMode="ltGray">
+          <a:xfrm>
+            <a:off x="0" y="1"/>
+            <a:ext cx="12192000" cy="2602520"/>
+          </a:xfrm>
+          <a:prstGeom prst="rect">
+            <a:avLst/>
+          </a:prstGeom>
+          <a:solidFill>
+            <a:srgbClr val="000000"/>
+          </a:solidFill>
+          <a:ln w="48000" cap="flat" cmpd="thickThin" algn="ctr">
+            <a:noFill/>
+            <a:prstDash val="solid"/>
+          </a:ln>
+        </p:spPr>
+        <p:style>
+          <a:lnRef idx="2">
+            <a:schemeClr val="accent1"/>
+          </a:lnRef>
+          <a:fillRef idx="1">
+            <a:schemeClr val="accent1"/>
+          </a:fillRef>
+          <a:effectRef idx="0">
+            <a:schemeClr val="accent1"/>
+          </a:effectRef>
+          <a:fontRef idx="minor">
+            <a:schemeClr val="lt1"/>
+          </a:fontRef>
+        </p:style>
+        <p:txBody>
+          <a:bodyPr rtlCol="0" anchor="ctr"/>
+          <a:lstStyle>
+            <a:extLst/>
+          </a:lstStyle>
+          <a:p>
+            <a:pPr algn="ctr" eaLnBrk="1" latinLnBrk="0" hangingPunct="1"/>
+            <a:endParaRPr kumimoji="0" lang="en-US"/>
+          </a:p>
+        </p:txBody>
+      </p:sp>
+      <p:sp>
+        <p:nvSpPr>
+          <p:cNvPr id="12" name="矩形 11"/>
+          <p:cNvSpPr/>
+          <p:nvPr/>
+        </p:nvSpPr>
+        <p:spPr bwMode="invGray">
+          <a:xfrm>
+            <a:off x="0" y="2602520"/>
+            <a:ext cx="12192000" cy="45720"/>
+          </a:xfrm>
+          <a:prstGeom prst="rect">
+            <a:avLst/>
+          </a:prstGeom>
+          <a:solidFill>
+            <a:srgbClr val="FFFFFF"/>
+          </a:solidFill>
+          <a:ln w="48000" cap="flat" cmpd="thickThin" algn="ctr">
+            <a:noFill/>
+            <a:prstDash val="solid"/>
+          </a:ln>
+          <a:effectLst>
+            <a:outerShdw blurRad="31750" dist="10160" dir="5400000" algn="tl" rotWithShape="0">
+              <a:srgbClr val="000000">
+                <a:alpha val="60000"/>
+              </a:srgbClr>
+            </a:outerShdw>
+          </a:effectLst>
+        </p:spPr>
+        <p:style>
+          <a:lnRef idx="2">
+            <a:schemeClr val="accent1"/>
+          </a:lnRef>
+          <a:fillRef idx="1">
+            <a:schemeClr val="accent1"/>
+          </a:fillRef>
+          <a:effectRef idx="0">
+            <a:schemeClr val="accent1"/>
+          </a:effectRef>
+          <a:fontRef idx="minor">
+            <a:schemeClr val="lt1"/>
+          </a:fontRef>
+        </p:style>
+        <p:txBody>
+          <a:bodyPr rtlCol="0" anchor="ctr"/>
+          <a:lstStyle>
+            <a:extLst/>
+          </a:lstStyle>
+          <a:p>
+            <a:pPr algn="ctr" eaLnBrk="1" latinLnBrk="0" hangingPunct="1"/>
+            <a:endParaRPr kumimoji="0" lang="en-US"/>
+          </a:p>
+        </p:txBody>
+      </p:sp>
+      <p:sp>
+        <p:nvSpPr>
           <p:cNvPr id="2" name="標題 1"/>
           <p:cNvSpPr>
             <a:spLocks noGrp="1"/>
@@ -943,23 +1293,35 @@
         </p:nvSpPr>
         <p:spPr>
           <a:xfrm>
-            <a:off x="963084" y="4406903"/>
-            <a:ext cx="10363200" cy="1362075"/>
+            <a:off x="999744" y="118872"/>
+            <a:ext cx="10684256" cy="1636776"/>
           </a:xfrm>
         </p:spPr>
         <p:txBody>
-          <a:bodyPr anchor="t"/>
+          <a:bodyPr vert="horz" lIns="91440" tIns="0" rIns="91440" bIns="0" rtlCol="0" anchor="b">
+            <a:normAutofit/>
+            <a:scene3d>
+              <a:camera prst="orthographicFront"/>
+              <a:lightRig rig="threePt" dir="t">
+                <a:rot lat="0" lon="0" rev="4800000"/>
+              </a:lightRig>
+            </a:scene3d>
+            <a:sp3d prstMaterial="matte">
+              <a:bevelT w="50800" h="10160"/>
+            </a:sp3d>
+          </a:bodyPr>
           <a:lstStyle>
             <a:lvl1pPr algn="l">
-              <a:defRPr sz="4000" b="1" cap="all"/>
+              <a:defRPr sz="4700" b="1" cap="none" baseline="0"/>
             </a:lvl1pPr>
+            <a:extLst/>
           </a:lstStyle>
           <a:p>
             <a:r>
-              <a:rPr lang="zh-TW" altLang="en-US" smtClean="0"/>
+              <a:rPr kumimoji="0" lang="zh-TW" altLang="en-US" smtClean="0"/>
               <a:t>按一下以編輯母片標題樣式</a:t>
             </a:r>
-            <a:endParaRPr lang="zh-TW" altLang="en-US"/>
+            <a:endParaRPr kumimoji="0" lang="en-US"/>
           </a:p>
         </p:txBody>
       </p:sp>
@@ -975,20 +1337,18 @@
         </p:nvSpPr>
         <p:spPr>
           <a:xfrm>
-            <a:off x="963084" y="2906713"/>
-            <a:ext cx="10363200" cy="1500187"/>
+            <a:off x="987552" y="1828800"/>
+            <a:ext cx="10696448" cy="685800"/>
           </a:xfrm>
         </p:spPr>
         <p:txBody>
-          <a:bodyPr anchor="b"/>
+          <a:bodyPr lIns="146304" tIns="0" rIns="45720" bIns="0" anchor="t"/>
           <a:lstStyle>
             <a:lvl1pPr marL="0" indent="0">
               <a:buNone/>
               <a:defRPr sz="2000">
                 <a:solidFill>
-                  <a:schemeClr val="tx1">
-                    <a:tint val="75000"/>
-                  </a:schemeClr>
+                  <a:srgbClr val="FFFFFF"/>
                 </a:solidFill>
               </a:defRPr>
             </a:lvl1pPr>
@@ -1072,11 +1432,12 @@
                 </a:solidFill>
               </a:defRPr>
             </a:lvl9pPr>
+            <a:extLst/>
           </a:lstStyle>
           <a:p>
-            <a:pPr lvl="0"/>
+            <a:pPr lvl="0" eaLnBrk="1" latinLnBrk="0" hangingPunct="1"/>
             <a:r>
-              <a:rPr lang="zh-TW" altLang="en-US" smtClean="0"/>
+              <a:rPr kumimoji="0" lang="zh-TW" altLang="en-US" smtClean="0"/>
               <a:t>按一下以編輯母片文字樣式</a:t>
             </a:r>
           </a:p>
@@ -1152,7 +1513,7 @@
     </p:spTree>
   </p:cSld>
   <p:clrMapOvr>
-    <a:masterClrMapping/>
+    <a:overrideClrMapping bg1="dk1" tx1="lt1" bg2="dk2" tx2="lt2" accent1="accent1" accent2="accent2" accent3="accent3" accent4="accent4" accent5="accent5" accent6="accent6" hlink="hlink" folHlink="folHlink"/>
   </p:clrMapOvr>
   <p:timing>
     <p:tnLst>
@@ -1194,13 +1555,15 @@
         <p:spPr/>
         <p:txBody>
           <a:bodyPr/>
-          <a:lstStyle/>
+          <a:lstStyle>
+            <a:extLst/>
+          </a:lstStyle>
           <a:p>
             <a:r>
-              <a:rPr lang="zh-TW" altLang="en-US" smtClean="0"/>
+              <a:rPr kumimoji="0" lang="zh-TW" altLang="en-US" smtClean="0"/>
               <a:t>按一下以編輯母片標題樣式</a:t>
             </a:r>
-            <a:endParaRPr lang="zh-TW" altLang="en-US"/>
+            <a:endParaRPr kumimoji="0" lang="en-US"/>
           </a:p>
         </p:txBody>
       </p:sp>
@@ -1216,8 +1579,94 @@
         </p:nvSpPr>
         <p:spPr>
           <a:xfrm>
-            <a:off x="812800" y="1600203"/>
-            <a:ext cx="7213600" cy="4525963"/>
+            <a:off x="609600" y="1773936"/>
+            <a:ext cx="5384800" cy="4623816"/>
+          </a:xfrm>
+        </p:spPr>
+        <p:txBody>
+          <a:bodyPr lIns="91440"/>
+          <a:lstStyle>
+            <a:lvl1pPr>
+              <a:defRPr sz="2800"/>
+            </a:lvl1pPr>
+            <a:lvl2pPr>
+              <a:defRPr sz="2400"/>
+            </a:lvl2pPr>
+            <a:lvl3pPr>
+              <a:defRPr sz="2000"/>
+            </a:lvl3pPr>
+            <a:lvl4pPr>
+              <a:defRPr sz="1800"/>
+            </a:lvl4pPr>
+            <a:lvl5pPr>
+              <a:defRPr sz="1800"/>
+            </a:lvl5pPr>
+            <a:lvl6pPr>
+              <a:defRPr sz="1800"/>
+            </a:lvl6pPr>
+            <a:lvl7pPr>
+              <a:defRPr sz="1800"/>
+            </a:lvl7pPr>
+            <a:lvl8pPr>
+              <a:defRPr sz="1800"/>
+            </a:lvl8pPr>
+            <a:lvl9pPr>
+              <a:defRPr sz="1800"/>
+            </a:lvl9pPr>
+            <a:extLst/>
+          </a:lstStyle>
+          <a:p>
+            <a:pPr lvl="0" eaLnBrk="1" latinLnBrk="0" hangingPunct="1"/>
+            <a:r>
+              <a:rPr lang="zh-TW" altLang="en-US" smtClean="0"/>
+              <a:t>按一下以編輯母片文字樣式</a:t>
+            </a:r>
+          </a:p>
+          <a:p>
+            <a:pPr lvl="1" eaLnBrk="1" latinLnBrk="0" hangingPunct="1"/>
+            <a:r>
+              <a:rPr lang="zh-TW" altLang="en-US" smtClean="0"/>
+              <a:t>第二層</a:t>
+            </a:r>
+          </a:p>
+          <a:p>
+            <a:pPr lvl="2" eaLnBrk="1" latinLnBrk="0" hangingPunct="1"/>
+            <a:r>
+              <a:rPr lang="zh-TW" altLang="en-US" smtClean="0"/>
+              <a:t>第三層</a:t>
+            </a:r>
+          </a:p>
+          <a:p>
+            <a:pPr lvl="3" eaLnBrk="1" latinLnBrk="0" hangingPunct="1"/>
+            <a:r>
+              <a:rPr lang="zh-TW" altLang="en-US" smtClean="0"/>
+              <a:t>第四層</a:t>
+            </a:r>
+          </a:p>
+          <a:p>
+            <a:pPr lvl="4" eaLnBrk="1" latinLnBrk="0" hangingPunct="1"/>
+            <a:r>
+              <a:rPr lang="zh-TW" altLang="en-US" smtClean="0"/>
+              <a:t>第五層</a:t>
+            </a:r>
+            <a:endParaRPr kumimoji="0" lang="en-US"/>
+          </a:p>
+        </p:txBody>
+      </p:sp>
+      <p:sp>
+        <p:nvSpPr>
+          <p:cNvPr id="4" name="內容版面配置區 3"/>
+          <p:cNvSpPr>
+            <a:spLocks noGrp="1"/>
+          </p:cNvSpPr>
+          <p:nvPr>
+            <p:ph sz="half" idx="2"/>
+          </p:nvPr>
+        </p:nvSpPr>
+        <p:spPr>
+          <a:xfrm>
+            <a:off x="6197600" y="1773936"/>
+            <a:ext cx="5384800" cy="4623816"/>
           </a:xfrm>
         </p:spPr>
         <p:txBody>
@@ -1250,127 +1699,43 @@
             <a:lvl9pPr>
               <a:defRPr sz="1800"/>
             </a:lvl9pPr>
+            <a:extLst/>
           </a:lstStyle>
           <a:p>
-            <a:pPr lvl="0"/>
+            <a:pPr lvl="0" eaLnBrk="1" latinLnBrk="0" hangingPunct="1"/>
             <a:r>
               <a:rPr lang="zh-TW" altLang="en-US" smtClean="0"/>
               <a:t>按一下以編輯母片文字樣式</a:t>
             </a:r>
           </a:p>
           <a:p>
-            <a:pPr lvl="1"/>
+            <a:pPr lvl="1" eaLnBrk="1" latinLnBrk="0" hangingPunct="1"/>
             <a:r>
               <a:rPr lang="zh-TW" altLang="en-US" smtClean="0"/>
               <a:t>第二層</a:t>
             </a:r>
           </a:p>
           <a:p>
-            <a:pPr lvl="2"/>
+            <a:pPr lvl="2" eaLnBrk="1" latinLnBrk="0" hangingPunct="1"/>
             <a:r>
               <a:rPr lang="zh-TW" altLang="en-US" smtClean="0"/>
               <a:t>第三層</a:t>
             </a:r>
           </a:p>
           <a:p>
-            <a:pPr lvl="3"/>
+            <a:pPr lvl="3" eaLnBrk="1" latinLnBrk="0" hangingPunct="1"/>
             <a:r>
               <a:rPr lang="zh-TW" altLang="en-US" smtClean="0"/>
               <a:t>第四層</a:t>
             </a:r>
           </a:p>
           <a:p>
-            <a:pPr lvl="4"/>
+            <a:pPr lvl="4" eaLnBrk="1" latinLnBrk="0" hangingPunct="1"/>
             <a:r>
               <a:rPr lang="zh-TW" altLang="en-US" smtClean="0"/>
               <a:t>第五層</a:t>
             </a:r>
-            <a:endParaRPr lang="zh-TW" altLang="en-US"/>
-          </a:p>
-        </p:txBody>
-      </p:sp>
-      <p:sp>
-        <p:nvSpPr>
-          <p:cNvPr id="4" name="內容版面配置區 3"/>
-          <p:cNvSpPr>
-            <a:spLocks noGrp="1"/>
-          </p:cNvSpPr>
-          <p:nvPr>
-            <p:ph sz="half" idx="2"/>
-          </p:nvPr>
-        </p:nvSpPr>
-        <p:spPr>
-          <a:xfrm>
-            <a:off x="8229600" y="1600203"/>
-            <a:ext cx="7213600" cy="4525963"/>
-          </a:xfrm>
-        </p:spPr>
-        <p:txBody>
-          <a:bodyPr/>
-          <a:lstStyle>
-            <a:lvl1pPr>
-              <a:defRPr sz="2800"/>
-            </a:lvl1pPr>
-            <a:lvl2pPr>
-              <a:defRPr sz="2400"/>
-            </a:lvl2pPr>
-            <a:lvl3pPr>
-              <a:defRPr sz="2000"/>
-            </a:lvl3pPr>
-            <a:lvl4pPr>
-              <a:defRPr sz="1800"/>
-            </a:lvl4pPr>
-            <a:lvl5pPr>
-              <a:defRPr sz="1800"/>
-            </a:lvl5pPr>
-            <a:lvl6pPr>
-              <a:defRPr sz="1800"/>
-            </a:lvl6pPr>
-            <a:lvl7pPr>
-              <a:defRPr sz="1800"/>
-            </a:lvl7pPr>
-            <a:lvl8pPr>
-              <a:defRPr sz="1800"/>
-            </a:lvl8pPr>
-            <a:lvl9pPr>
-              <a:defRPr sz="1800"/>
-            </a:lvl9pPr>
-          </a:lstStyle>
-          <a:p>
-            <a:pPr lvl="0"/>
-            <a:r>
-              <a:rPr lang="zh-TW" altLang="en-US" smtClean="0"/>
-              <a:t>按一下以編輯母片文字樣式</a:t>
-            </a:r>
-          </a:p>
-          <a:p>
-            <a:pPr lvl="1"/>
-            <a:r>
-              <a:rPr lang="zh-TW" altLang="en-US" smtClean="0"/>
-              <a:t>第二層</a:t>
-            </a:r>
-          </a:p>
-          <a:p>
-            <a:pPr lvl="2"/>
-            <a:r>
-              <a:rPr lang="zh-TW" altLang="en-US" smtClean="0"/>
-              <a:t>第三層</a:t>
-            </a:r>
-          </a:p>
-          <a:p>
-            <a:pPr lvl="3"/>
-            <a:r>
-              <a:rPr lang="zh-TW" altLang="en-US" smtClean="0"/>
-              <a:t>第四層</a:t>
-            </a:r>
-          </a:p>
-          <a:p>
-            <a:pPr lvl="4"/>
-            <a:r>
-              <a:rPr lang="zh-TW" altLang="en-US" smtClean="0"/>
-              <a:t>第五層</a:t>
-            </a:r>
-            <a:endParaRPr lang="zh-TW" altLang="en-US"/>
+            <a:endParaRPr kumimoji="0" lang="en-US"/>
           </a:p>
         </p:txBody>
       </p:sp>
@@ -1486,25 +1851,21 @@
             <p:ph type="title"/>
           </p:nvPr>
         </p:nvSpPr>
-        <p:spPr>
-          <a:xfrm>
-            <a:off x="609600" y="274638"/>
-            <a:ext cx="10972800" cy="1143000"/>
-          </a:xfrm>
-        </p:spPr>
+        <p:spPr/>
         <p:txBody>
           <a:bodyPr/>
           <a:lstStyle>
             <a:lvl1pPr>
               <a:defRPr/>
             </a:lvl1pPr>
+            <a:extLst/>
           </a:lstStyle>
           <a:p>
             <a:r>
-              <a:rPr lang="zh-TW" altLang="en-US" smtClean="0"/>
+              <a:rPr kumimoji="0" lang="zh-TW" altLang="en-US" smtClean="0"/>
               <a:t>按一下以編輯母片標題樣式</a:t>
             </a:r>
-            <a:endParaRPr lang="zh-TW" altLang="en-US"/>
+            <a:endParaRPr kumimoji="0" lang="en-US"/>
           </a:p>
         </p:txBody>
       </p:sp>
@@ -1520,16 +1881,16 @@
         </p:nvSpPr>
         <p:spPr>
           <a:xfrm>
-            <a:off x="609600" y="1535113"/>
-            <a:ext cx="5386917" cy="639762"/>
+            <a:off x="609600" y="1698988"/>
+            <a:ext cx="5386917" cy="715355"/>
           </a:xfrm>
         </p:spPr>
         <p:txBody>
-          <a:bodyPr anchor="b"/>
+          <a:bodyPr lIns="146304" anchor="ctr"/>
           <a:lstStyle>
             <a:lvl1pPr marL="0" indent="0">
               <a:buNone/>
-              <a:defRPr sz="2400" b="1"/>
+              <a:defRPr sz="2300" b="1" cap="all" baseline="0"/>
             </a:lvl1pPr>
             <a:lvl2pPr marL="457200" indent="0">
               <a:buNone/>
@@ -1563,11 +1924,12 @@
               <a:buNone/>
               <a:defRPr sz="1600" b="1"/>
             </a:lvl9pPr>
+            <a:extLst/>
           </a:lstStyle>
           <a:p>
-            <a:pPr lvl="0"/>
+            <a:pPr lvl="0" eaLnBrk="1" latinLnBrk="0" hangingPunct="1"/>
             <a:r>
-              <a:rPr lang="zh-TW" altLang="en-US" smtClean="0"/>
+              <a:rPr kumimoji="0" lang="zh-TW" altLang="en-US" smtClean="0"/>
               <a:t>按一下以編輯母片文字樣式</a:t>
             </a:r>
           </a:p>
@@ -1585,7 +1947,7 @@
         </p:nvSpPr>
         <p:spPr>
           <a:xfrm>
-            <a:off x="609600" y="2174875"/>
+            <a:off x="609600" y="2449512"/>
             <a:ext cx="5386917" cy="3951288"/>
           </a:xfrm>
         </p:spPr>
@@ -1619,42 +1981,43 @@
             <a:lvl9pPr>
               <a:defRPr sz="1600"/>
             </a:lvl9pPr>
+            <a:extLst/>
           </a:lstStyle>
           <a:p>
-            <a:pPr lvl="0"/>
+            <a:pPr lvl="0" eaLnBrk="1" latinLnBrk="0" hangingPunct="1"/>
             <a:r>
               <a:rPr lang="zh-TW" altLang="en-US" smtClean="0"/>
               <a:t>按一下以編輯母片文字樣式</a:t>
             </a:r>
           </a:p>
           <a:p>
-            <a:pPr lvl="1"/>
+            <a:pPr lvl="1" eaLnBrk="1" latinLnBrk="0" hangingPunct="1"/>
             <a:r>
               <a:rPr lang="zh-TW" altLang="en-US" smtClean="0"/>
               <a:t>第二層</a:t>
             </a:r>
           </a:p>
           <a:p>
-            <a:pPr lvl="2"/>
+            <a:pPr lvl="2" eaLnBrk="1" latinLnBrk="0" hangingPunct="1"/>
             <a:r>
               <a:rPr lang="zh-TW" altLang="en-US" smtClean="0"/>
               <a:t>第三層</a:t>
             </a:r>
           </a:p>
           <a:p>
-            <a:pPr lvl="3"/>
+            <a:pPr lvl="3" eaLnBrk="1" latinLnBrk="0" hangingPunct="1"/>
             <a:r>
               <a:rPr lang="zh-TW" altLang="en-US" smtClean="0"/>
               <a:t>第四層</a:t>
             </a:r>
           </a:p>
           <a:p>
-            <a:pPr lvl="4"/>
+            <a:pPr lvl="4" eaLnBrk="1" latinLnBrk="0" hangingPunct="1"/>
             <a:r>
               <a:rPr lang="zh-TW" altLang="en-US" smtClean="0"/>
               <a:t>第五層</a:t>
             </a:r>
-            <a:endParaRPr lang="zh-TW" altLang="en-US"/>
+            <a:endParaRPr kumimoji="0" lang="en-US"/>
           </a:p>
         </p:txBody>
       </p:sp>
@@ -1670,16 +2033,16 @@
         </p:nvSpPr>
         <p:spPr>
           <a:xfrm>
-            <a:off x="6193369" y="1535113"/>
-            <a:ext cx="5389033" cy="639762"/>
+            <a:off x="6193368" y="1698988"/>
+            <a:ext cx="5389033" cy="715355"/>
           </a:xfrm>
         </p:spPr>
         <p:txBody>
-          <a:bodyPr anchor="b"/>
+          <a:bodyPr lIns="146304" anchor="ctr"/>
           <a:lstStyle>
             <a:lvl1pPr marL="0" indent="0">
               <a:buNone/>
-              <a:defRPr sz="2400" b="1"/>
+              <a:defRPr sz="2300" b="1" cap="all" baseline="0"/>
             </a:lvl1pPr>
             <a:lvl2pPr marL="457200" indent="0">
               <a:buNone/>
@@ -1713,11 +2076,12 @@
               <a:buNone/>
               <a:defRPr sz="1600" b="1"/>
             </a:lvl9pPr>
+            <a:extLst/>
           </a:lstStyle>
           <a:p>
-            <a:pPr lvl="0"/>
+            <a:pPr lvl="0" eaLnBrk="1" latinLnBrk="0" hangingPunct="1"/>
             <a:r>
-              <a:rPr lang="zh-TW" altLang="en-US" smtClean="0"/>
+              <a:rPr kumimoji="0" lang="zh-TW" altLang="en-US" smtClean="0"/>
               <a:t>按一下以編輯母片文字樣式</a:t>
             </a:r>
           </a:p>
@@ -1735,7 +2099,7 @@
         </p:nvSpPr>
         <p:spPr>
           <a:xfrm>
-            <a:off x="6193369" y="2174875"/>
+            <a:off x="6193368" y="2449512"/>
             <a:ext cx="5389033" cy="3951288"/>
           </a:xfrm>
         </p:spPr>
@@ -1769,42 +2133,43 @@
             <a:lvl9pPr>
               <a:defRPr sz="1600"/>
             </a:lvl9pPr>
+            <a:extLst/>
           </a:lstStyle>
           <a:p>
-            <a:pPr lvl="0"/>
+            <a:pPr lvl="0" eaLnBrk="1" latinLnBrk="0" hangingPunct="1"/>
             <a:r>
               <a:rPr lang="zh-TW" altLang="en-US" smtClean="0"/>
               <a:t>按一下以編輯母片文字樣式</a:t>
             </a:r>
           </a:p>
           <a:p>
-            <a:pPr lvl="1"/>
+            <a:pPr lvl="1" eaLnBrk="1" latinLnBrk="0" hangingPunct="1"/>
             <a:r>
               <a:rPr lang="zh-TW" altLang="en-US" smtClean="0"/>
               <a:t>第二層</a:t>
             </a:r>
           </a:p>
           <a:p>
-            <a:pPr lvl="2"/>
+            <a:pPr lvl="2" eaLnBrk="1" latinLnBrk="0" hangingPunct="1"/>
             <a:r>
               <a:rPr lang="zh-TW" altLang="en-US" smtClean="0"/>
               <a:t>第三層</a:t>
             </a:r>
           </a:p>
           <a:p>
-            <a:pPr lvl="3"/>
+            <a:pPr lvl="3" eaLnBrk="1" latinLnBrk="0" hangingPunct="1"/>
             <a:r>
               <a:rPr lang="zh-TW" altLang="en-US" smtClean="0"/>
               <a:t>第四層</a:t>
             </a:r>
           </a:p>
           <a:p>
-            <a:pPr lvl="4"/>
+            <a:pPr lvl="4" eaLnBrk="1" latinLnBrk="0" hangingPunct="1"/>
             <a:r>
               <a:rPr lang="zh-TW" altLang="en-US" smtClean="0"/>
               <a:t>第五層</a:t>
             </a:r>
-            <a:endParaRPr lang="zh-TW" altLang="en-US"/>
+            <a:endParaRPr kumimoji="0" lang="en-US"/>
           </a:p>
         </p:txBody>
       </p:sp>
@@ -1923,13 +2288,15 @@
         <p:spPr/>
         <p:txBody>
           <a:bodyPr/>
-          <a:lstStyle/>
+          <a:lstStyle>
+            <a:extLst/>
+          </a:lstStyle>
           <a:p>
             <a:r>
-              <a:rPr lang="zh-TW" altLang="en-US" smtClean="0"/>
+              <a:rPr kumimoji="0" lang="zh-TW" altLang="en-US" smtClean="0"/>
               <a:t>按一下以編輯母片標題樣式</a:t>
             </a:r>
-            <a:endParaRPr lang="zh-TW" altLang="en-US"/>
+            <a:endParaRPr kumimoji="0" lang="en-US"/>
           </a:p>
         </p:txBody>
       </p:sp>
@@ -2019,7 +2386,7 @@
 </file>
 
 <file path=ppt/slideLayouts/slideLayout7.xml><?xml version="1.0" encoding="utf-8"?>
-<p:sldLayout xmlns:a="http://schemas.openxmlformats.org/drawingml/2006/main" xmlns:r="http://schemas.openxmlformats.org/officeDocument/2006/relationships" xmlns:p="http://schemas.openxmlformats.org/presentationml/2006/main" type="blank" preserve="1">
+<p:sldLayout xmlns:a="http://schemas.openxmlformats.org/drawingml/2006/main" xmlns:r="http://schemas.openxmlformats.org/officeDocument/2006/relationships" xmlns:p="http://schemas.openxmlformats.org/presentationml/2006/main" showMasterSp="0" type="blank" preserve="1">
   <p:cSld name="空白">
     <p:spTree>
       <p:nvGrpSpPr>
@@ -2149,23 +2516,27 @@
         </p:nvSpPr>
         <p:spPr>
           <a:xfrm>
-            <a:off x="609602" y="273050"/>
-            <a:ext cx="4011084" cy="1162050"/>
+            <a:off x="223784" y="152400"/>
+            <a:ext cx="3364992" cy="978408"/>
           </a:xfrm>
         </p:spPr>
         <p:txBody>
-          <a:bodyPr anchor="b"/>
+          <a:bodyPr vert="horz" lIns="73152" rIns="45720" bIns="0" rtlCol="0" anchor="b">
+            <a:normAutofit/>
+            <a:sp3d prstMaterial="matte"/>
+          </a:bodyPr>
           <a:lstStyle>
             <a:lvl1pPr algn="l">
-              <a:defRPr sz="2000" b="1"/>
+              <a:defRPr sz="2000" b="0"/>
             </a:lvl1pPr>
+            <a:extLst/>
           </a:lstStyle>
           <a:p>
             <a:r>
-              <a:rPr lang="zh-TW" altLang="en-US" smtClean="0"/>
+              <a:rPr kumimoji="0" lang="zh-TW" altLang="en-US" smtClean="0"/>
               <a:t>按一下以編輯母片標題樣式</a:t>
             </a:r>
-            <a:endParaRPr lang="zh-TW" altLang="en-US"/>
+            <a:endParaRPr kumimoji="0" lang="en-US"/>
           </a:p>
         </p:txBody>
       </p:sp>
@@ -2181,8 +2552,8 @@
         </p:nvSpPr>
         <p:spPr>
           <a:xfrm>
-            <a:off x="4766733" y="273052"/>
-            <a:ext cx="6815667" cy="5853113"/>
+            <a:off x="4025837" y="1743133"/>
+            <a:ext cx="7894188" cy="4558885"/>
           </a:xfrm>
         </p:spPr>
         <p:txBody>
@@ -2215,42 +2586,43 @@
             <a:lvl9pPr>
               <a:defRPr sz="2000"/>
             </a:lvl9pPr>
+            <a:extLst/>
           </a:lstStyle>
           <a:p>
-            <a:pPr lvl="0"/>
+            <a:pPr lvl="0" eaLnBrk="1" latinLnBrk="0" hangingPunct="1"/>
             <a:r>
               <a:rPr lang="zh-TW" altLang="en-US" smtClean="0"/>
               <a:t>按一下以編輯母片文字樣式</a:t>
             </a:r>
           </a:p>
           <a:p>
-            <a:pPr lvl="1"/>
+            <a:pPr lvl="1" eaLnBrk="1" latinLnBrk="0" hangingPunct="1"/>
             <a:r>
               <a:rPr lang="zh-TW" altLang="en-US" smtClean="0"/>
               <a:t>第二層</a:t>
             </a:r>
           </a:p>
           <a:p>
-            <a:pPr lvl="2"/>
+            <a:pPr lvl="2" eaLnBrk="1" latinLnBrk="0" hangingPunct="1"/>
             <a:r>
               <a:rPr lang="zh-TW" altLang="en-US" smtClean="0"/>
               <a:t>第三層</a:t>
             </a:r>
           </a:p>
           <a:p>
-            <a:pPr lvl="3"/>
+            <a:pPr lvl="3" eaLnBrk="1" latinLnBrk="0" hangingPunct="1"/>
             <a:r>
               <a:rPr lang="zh-TW" altLang="en-US" smtClean="0"/>
               <a:t>第四層</a:t>
             </a:r>
           </a:p>
           <a:p>
-            <a:pPr lvl="4"/>
+            <a:pPr lvl="4" eaLnBrk="1" latinLnBrk="0" hangingPunct="1"/>
             <a:r>
               <a:rPr lang="zh-TW" altLang="en-US" smtClean="0"/>
               <a:t>第五層</a:t>
             </a:r>
-            <a:endParaRPr lang="zh-TW" altLang="en-US"/>
+            <a:endParaRPr kumimoji="0" lang="en-US"/>
           </a:p>
         </p:txBody>
       </p:sp>
@@ -2266,8 +2638,8 @@
         </p:nvSpPr>
         <p:spPr>
           <a:xfrm>
-            <a:off x="609602" y="1435102"/>
-            <a:ext cx="4011084" cy="4691063"/>
+            <a:off x="223784" y="1730018"/>
+            <a:ext cx="3291840" cy="4572000"/>
           </a:xfrm>
         </p:spPr>
         <p:txBody>
@@ -2309,11 +2681,12 @@
               <a:buNone/>
               <a:defRPr sz="900"/>
             </a:lvl9pPr>
+            <a:extLst/>
           </a:lstStyle>
           <a:p>
-            <a:pPr lvl="0"/>
+            <a:pPr lvl="0" eaLnBrk="1" latinLnBrk="0" hangingPunct="1"/>
             <a:r>
-              <a:rPr lang="zh-TW" altLang="en-US" smtClean="0"/>
+              <a:rPr kumimoji="0" lang="zh-TW" altLang="en-US" smtClean="0"/>
               <a:t>按一下以編輯母片文字樣式</a:t>
             </a:r>
           </a:p>
@@ -2386,6 +2759,100 @@
           </a:p>
         </p:txBody>
       </p:sp>
+      <p:sp>
+        <p:nvSpPr>
+          <p:cNvPr id="12" name="矩形 11"/>
+          <p:cNvSpPr/>
+          <p:nvPr/>
+        </p:nvSpPr>
+        <p:spPr bwMode="invGray">
+          <a:xfrm>
+            <a:off x="3807649" y="0"/>
+            <a:ext cx="60960" cy="1453896"/>
+          </a:xfrm>
+          <a:prstGeom prst="rect">
+            <a:avLst/>
+          </a:prstGeom>
+          <a:solidFill>
+            <a:srgbClr val="FFFFFF"/>
+          </a:solidFill>
+          <a:ln w="48000" cap="flat" cmpd="thickThin" algn="ctr">
+            <a:noFill/>
+            <a:prstDash val="solid"/>
+          </a:ln>
+        </p:spPr>
+        <p:style>
+          <a:lnRef idx="2">
+            <a:schemeClr val="accent1"/>
+          </a:lnRef>
+          <a:fillRef idx="1">
+            <a:schemeClr val="accent1"/>
+          </a:fillRef>
+          <a:effectRef idx="0">
+            <a:schemeClr val="accent1"/>
+          </a:effectRef>
+          <a:fontRef idx="minor">
+            <a:schemeClr val="lt1"/>
+          </a:fontRef>
+        </p:style>
+        <p:txBody>
+          <a:bodyPr rtlCol="0" anchor="ctr"/>
+          <a:lstStyle>
+            <a:extLst/>
+          </a:lstStyle>
+          <a:p>
+            <a:pPr algn="ctr" eaLnBrk="1" latinLnBrk="0" hangingPunct="1"/>
+            <a:endParaRPr kumimoji="0" lang="en-US"/>
+          </a:p>
+        </p:txBody>
+      </p:sp>
+      <p:sp>
+        <p:nvSpPr>
+          <p:cNvPr id="9" name="矩形 8"/>
+          <p:cNvSpPr/>
+          <p:nvPr/>
+        </p:nvSpPr>
+        <p:spPr bwMode="invGray">
+          <a:xfrm>
+            <a:off x="3807649" y="0"/>
+            <a:ext cx="60960" cy="1453896"/>
+          </a:xfrm>
+          <a:prstGeom prst="rect">
+            <a:avLst/>
+          </a:prstGeom>
+          <a:solidFill>
+            <a:srgbClr val="FFFFFF"/>
+          </a:solidFill>
+          <a:ln w="48000" cap="flat" cmpd="thickThin" algn="ctr">
+            <a:noFill/>
+            <a:prstDash val="solid"/>
+          </a:ln>
+        </p:spPr>
+        <p:style>
+          <a:lnRef idx="2">
+            <a:schemeClr val="accent1"/>
+          </a:lnRef>
+          <a:fillRef idx="1">
+            <a:schemeClr val="accent1"/>
+          </a:fillRef>
+          <a:effectRef idx="0">
+            <a:schemeClr val="accent1"/>
+          </a:effectRef>
+          <a:fontRef idx="minor">
+            <a:schemeClr val="lt1"/>
+          </a:fontRef>
+        </p:style>
+        <p:txBody>
+          <a:bodyPr rtlCol="0" anchor="ctr"/>
+          <a:lstStyle>
+            <a:extLst/>
+          </a:lstStyle>
+          <a:p>
+            <a:pPr algn="ctr" eaLnBrk="1" latinLnBrk="0" hangingPunct="1"/>
+            <a:endParaRPr kumimoji="0" lang="en-US"/>
+          </a:p>
+        </p:txBody>
+      </p:sp>
     </p:spTree>
   </p:cSld>
   <p:clrMapOvr>
@@ -2407,6 +2874,11 @@
 <file path=ppt/slideLayouts/slideLayout9.xml><?xml version="1.0" encoding="utf-8"?>
 <p:sldLayout xmlns:a="http://schemas.openxmlformats.org/drawingml/2006/main" xmlns:r="http://schemas.openxmlformats.org/officeDocument/2006/relationships" xmlns:p="http://schemas.openxmlformats.org/presentationml/2006/main" type="picTx" preserve="1">
   <p:cSld name="含標題的圖片">
+    <p:bg>
+      <p:bgRef idx="1001">
+        <a:schemeClr val="bg2"/>
+      </p:bgRef>
+    </p:bg>
     <p:spTree>
       <p:nvGrpSpPr>
         <p:cNvPr id="1" name=""/>
@@ -2433,23 +2905,26 @@
         </p:nvSpPr>
         <p:spPr>
           <a:xfrm>
-            <a:off x="2389717" y="4800600"/>
-            <a:ext cx="7315200" cy="566738"/>
+            <a:off x="219456" y="155448"/>
+            <a:ext cx="3366867" cy="978408"/>
           </a:xfrm>
         </p:spPr>
         <p:txBody>
-          <a:bodyPr anchor="b"/>
+          <a:bodyPr lIns="73152" bIns="0" anchor="b">
+            <a:sp3d prstMaterial="matte"/>
+          </a:bodyPr>
           <a:lstStyle>
             <a:lvl1pPr algn="l">
-              <a:defRPr sz="2000" b="1"/>
+              <a:defRPr sz="2000" b="0"/>
             </a:lvl1pPr>
+            <a:extLst/>
           </a:lstStyle>
           <a:p>
             <a:r>
-              <a:rPr lang="zh-TW" altLang="en-US" smtClean="0"/>
+              <a:rPr kumimoji="0" lang="zh-TW" altLang="en-US" smtClean="0"/>
               <a:t>按一下以編輯母片標題樣式</a:t>
             </a:r>
-            <a:endParaRPr lang="zh-TW" altLang="en-US"/>
+            <a:endParaRPr kumimoji="0" lang="en-US"/>
           </a:p>
         </p:txBody>
       </p:sp>
@@ -2465,9 +2940,14 @@
         </p:nvSpPr>
         <p:spPr>
           <a:xfrm>
-            <a:off x="2389717" y="612775"/>
-            <a:ext cx="7315200" cy="4114800"/>
+            <a:off x="3871740" y="1484808"/>
+            <a:ext cx="8329863" cy="5373192"/>
           </a:xfrm>
+          <a:solidFill>
+            <a:schemeClr val="bg2">
+              <a:shade val="75000"/>
+            </a:schemeClr>
+          </a:solidFill>
         </p:spPr>
         <p:txBody>
           <a:bodyPr/>
@@ -2508,9 +2988,14 @@
               <a:buNone/>
               <a:defRPr sz="2000"/>
             </a:lvl9pPr>
+            <a:extLst/>
           </a:lstStyle>
           <a:p>
-            <a:endParaRPr lang="zh-TW" altLang="en-US"/>
+            <a:r>
+              <a:rPr kumimoji="0" lang="zh-TW" altLang="en-US" smtClean="0"/>
+              <a:t>按一下圖示以新增圖片</a:t>
+            </a:r>
+            <a:endParaRPr kumimoji="0" lang="en-US" dirty="0"/>
           </a:p>
         </p:txBody>
       </p:sp>
@@ -2526,8 +3011,8 @@
         </p:nvSpPr>
         <p:spPr>
           <a:xfrm>
-            <a:off x="2389717" y="5367338"/>
-            <a:ext cx="7315200" cy="804862"/>
+            <a:off x="219456" y="1728216"/>
+            <a:ext cx="3291840" cy="4572000"/>
           </a:xfrm>
         </p:spPr>
         <p:txBody>
@@ -2569,11 +3054,12 @@
               <a:buNone/>
               <a:defRPr sz="900"/>
             </a:lvl9pPr>
+            <a:extLst/>
           </a:lstStyle>
           <a:p>
-            <a:pPr lvl="0"/>
+            <a:pPr lvl="0" eaLnBrk="1" latinLnBrk="0" hangingPunct="1"/>
             <a:r>
-              <a:rPr lang="zh-TW" altLang="en-US" smtClean="0"/>
+              <a:rPr kumimoji="0" lang="zh-TW" altLang="en-US" smtClean="0"/>
               <a:t>按一下以編輯母片文字樣式</a:t>
             </a:r>
           </a:p>
@@ -2589,7 +3075,12 @@
             <p:ph type="dt" sz="half" idx="10"/>
           </p:nvPr>
         </p:nvSpPr>
-        <p:spPr/>
+        <p:spPr>
+          <a:xfrm>
+            <a:off x="219456" y="1170432"/>
+            <a:ext cx="3364992" cy="201168"/>
+          </a:xfrm>
+        </p:spPr>
         <p:txBody>
           <a:bodyPr/>
           <a:lstStyle/>
@@ -2605,6 +3096,100 @@
       </p:sp>
       <p:sp>
         <p:nvSpPr>
+          <p:cNvPr id="11" name="矩形 10"/>
+          <p:cNvSpPr/>
+          <p:nvPr/>
+        </p:nvSpPr>
+        <p:spPr>
+          <a:xfrm>
+            <a:off x="3807649" y="0"/>
+            <a:ext cx="60960" cy="6858000"/>
+          </a:xfrm>
+          <a:prstGeom prst="rect">
+            <a:avLst/>
+          </a:prstGeom>
+          <a:solidFill>
+            <a:srgbClr val="FFFFFF"/>
+          </a:solidFill>
+          <a:ln w="48000" cap="flat" cmpd="thickThin" algn="ctr">
+            <a:noFill/>
+            <a:prstDash val="solid"/>
+          </a:ln>
+        </p:spPr>
+        <p:style>
+          <a:lnRef idx="2">
+            <a:schemeClr val="accent1"/>
+          </a:lnRef>
+          <a:fillRef idx="1">
+            <a:schemeClr val="accent1"/>
+          </a:fillRef>
+          <a:effectRef idx="0">
+            <a:schemeClr val="accent1"/>
+          </a:effectRef>
+          <a:fontRef idx="minor">
+            <a:schemeClr val="lt1"/>
+          </a:fontRef>
+        </p:style>
+        <p:txBody>
+          <a:bodyPr rtlCol="0" anchor="ctr"/>
+          <a:lstStyle>
+            <a:extLst/>
+          </a:lstStyle>
+          <a:p>
+            <a:pPr algn="ctr" eaLnBrk="1" latinLnBrk="0" hangingPunct="1"/>
+            <a:endParaRPr kumimoji="0" lang="en-US"/>
+          </a:p>
+        </p:txBody>
+      </p:sp>
+      <p:sp>
+        <p:nvSpPr>
+          <p:cNvPr id="9" name="矩形 8"/>
+          <p:cNvSpPr/>
+          <p:nvPr/>
+        </p:nvSpPr>
+        <p:spPr bwMode="invGray">
+          <a:xfrm>
+            <a:off x="3807649" y="0"/>
+            <a:ext cx="60960" cy="6858000"/>
+          </a:xfrm>
+          <a:prstGeom prst="rect">
+            <a:avLst/>
+          </a:prstGeom>
+          <a:solidFill>
+            <a:srgbClr val="FFFFFF"/>
+          </a:solidFill>
+          <a:ln w="48000" cap="flat" cmpd="thickThin" algn="ctr">
+            <a:noFill/>
+            <a:prstDash val="solid"/>
+          </a:ln>
+        </p:spPr>
+        <p:style>
+          <a:lnRef idx="2">
+            <a:schemeClr val="accent1"/>
+          </a:lnRef>
+          <a:fillRef idx="1">
+            <a:schemeClr val="accent1"/>
+          </a:fillRef>
+          <a:effectRef idx="0">
+            <a:schemeClr val="accent1"/>
+          </a:effectRef>
+          <a:fontRef idx="minor">
+            <a:schemeClr val="lt1"/>
+          </a:fontRef>
+        </p:style>
+        <p:txBody>
+          <a:bodyPr rtlCol="0" anchor="ctr"/>
+          <a:lstStyle>
+            <a:extLst/>
+          </a:lstStyle>
+          <a:p>
+            <a:pPr algn="ctr" eaLnBrk="1" latinLnBrk="0" hangingPunct="1"/>
+            <a:endParaRPr kumimoji="0" lang="en-US"/>
+          </a:p>
+        </p:txBody>
+      </p:sp>
+      <p:sp>
+        <p:nvSpPr>
           <p:cNvPr id="6" name="頁尾版面配置區 5"/>
           <p:cNvSpPr>
             <a:spLocks noGrp="1"/>
@@ -2613,10 +3198,25 @@
             <p:ph type="ftr" sz="quarter" idx="11"/>
           </p:nvPr>
         </p:nvSpPr>
-        <p:spPr/>
+        <p:spPr>
+          <a:xfrm>
+            <a:off x="4047744" y="1170432"/>
+            <a:ext cx="6925056" cy="201168"/>
+          </a:xfrm>
+        </p:spPr>
         <p:txBody>
           <a:bodyPr/>
-          <a:lstStyle/>
+          <a:lstStyle>
+            <a:lvl1pPr>
+              <a:defRPr>
+                <a:solidFill>
+                  <a:schemeClr val="bg1">
+                    <a:shade val="50000"/>
+                  </a:schemeClr>
+                </a:solidFill>
+              </a:defRPr>
+            </a:lvl1pPr>
+          </a:lstStyle>
           <a:p>
             <a:endParaRPr lang="zh-TW" altLang="en-US"/>
           </a:p>
@@ -2632,7 +3232,12 @@
             <p:ph type="sldNum" sz="quarter" idx="12"/>
           </p:nvPr>
         </p:nvSpPr>
-        <p:spPr/>
+        <p:spPr>
+          <a:xfrm>
+            <a:off x="11119104" y="1170432"/>
+            <a:ext cx="978485" cy="201168"/>
+          </a:xfrm>
+        </p:spPr>
         <p:txBody>
           <a:bodyPr/>
           <a:lstStyle/>
@@ -2649,7 +3254,7 @@
     </p:spTree>
   </p:cSld>
   <p:clrMapOvr>
-    <a:masterClrMapping/>
+    <a:overrideClrMapping bg1="lt1" tx1="dk1" bg2="lt2" tx2="dk2" accent1="accent1" accent2="accent2" accent3="accent3" accent4="accent4" accent5="accent5" accent6="accent6" hlink="hlink" folHlink="folHlink"/>
   </p:clrMapOvr>
   <p:transition spd="med">
     <p:cover dir="r"/>
@@ -2688,6 +3293,107 @@
       </p:grpSpPr>
       <p:sp>
         <p:nvSpPr>
+          <p:cNvPr id="10" name="矩形 9"/>
+          <p:cNvSpPr/>
+          <p:nvPr/>
+        </p:nvSpPr>
+        <p:spPr bwMode="invGray">
+          <a:xfrm>
+            <a:off x="0" y="1435895"/>
+            <a:ext cx="12192000" cy="45720"/>
+          </a:xfrm>
+          <a:prstGeom prst="rect">
+            <a:avLst/>
+          </a:prstGeom>
+          <a:solidFill>
+            <a:srgbClr val="FFFFFF"/>
+          </a:solidFill>
+          <a:ln w="48000" cap="flat" cmpd="thickThin" algn="ctr">
+            <a:noFill/>
+            <a:prstDash val="solid"/>
+          </a:ln>
+          <a:effectLst>
+            <a:outerShdw blurRad="31750" dist="10160" dir="5400000" algn="tl" rotWithShape="0">
+              <a:srgbClr val="000000">
+                <a:alpha val="60000"/>
+              </a:srgbClr>
+            </a:outerShdw>
+          </a:effectLst>
+        </p:spPr>
+        <p:style>
+          <a:lnRef idx="2">
+            <a:schemeClr val="accent1"/>
+          </a:lnRef>
+          <a:fillRef idx="1">
+            <a:schemeClr val="accent1"/>
+          </a:fillRef>
+          <a:effectRef idx="0">
+            <a:schemeClr val="accent1"/>
+          </a:effectRef>
+          <a:fontRef idx="minor">
+            <a:schemeClr val="lt1"/>
+          </a:fontRef>
+        </p:style>
+        <p:txBody>
+          <a:bodyPr rtlCol="0" anchor="ctr"/>
+          <a:lstStyle>
+            <a:extLst/>
+          </a:lstStyle>
+          <a:p>
+            <a:pPr algn="ctr" eaLnBrk="1" latinLnBrk="0" hangingPunct="1"/>
+            <a:endParaRPr kumimoji="0" lang="en-US"/>
+          </a:p>
+        </p:txBody>
+      </p:sp>
+      <p:sp>
+        <p:nvSpPr>
+          <p:cNvPr id="7" name="矩形 6"/>
+          <p:cNvSpPr/>
+          <p:nvPr/>
+        </p:nvSpPr>
+        <p:spPr bwMode="ltGray">
+          <a:xfrm>
+            <a:off x="1" y="1"/>
+            <a:ext cx="12191999" cy="1433733"/>
+          </a:xfrm>
+          <a:prstGeom prst="rect">
+            <a:avLst/>
+          </a:prstGeom>
+          <a:solidFill>
+            <a:srgbClr val="000000"/>
+          </a:solidFill>
+          <a:ln w="48000" cap="flat" cmpd="thickThin" algn="ctr">
+            <a:noFill/>
+            <a:prstDash val="solid"/>
+          </a:ln>
+        </p:spPr>
+        <p:style>
+          <a:lnRef idx="2">
+            <a:schemeClr val="accent1"/>
+          </a:lnRef>
+          <a:fillRef idx="1">
+            <a:schemeClr val="accent1"/>
+          </a:fillRef>
+          <a:effectRef idx="0">
+            <a:schemeClr val="accent1"/>
+          </a:effectRef>
+          <a:fontRef idx="minor">
+            <a:schemeClr val="lt1"/>
+          </a:fontRef>
+        </p:style>
+        <p:txBody>
+          <a:bodyPr rtlCol="0" anchor="ctr"/>
+          <a:lstStyle>
+            <a:extLst/>
+          </a:lstStyle>
+          <a:p>
+            <a:pPr algn="ctr" eaLnBrk="1" latinLnBrk="0" hangingPunct="1"/>
+            <a:endParaRPr kumimoji="0" lang="en-US"/>
+          </a:p>
+        </p:txBody>
+      </p:sp>
+      <p:sp>
+        <p:nvSpPr>
           <p:cNvPr id="2" name="標題版面配置區 1"/>
           <p:cNvSpPr>
             <a:spLocks noGrp="1"/>
@@ -2698,24 +3404,35 @@
         </p:nvSpPr>
         <p:spPr>
           <a:xfrm>
-            <a:off x="609600" y="274638"/>
-            <a:ext cx="10972800" cy="1143000"/>
+            <a:off x="609600" y="152400"/>
+            <a:ext cx="10972800" cy="1251062"/>
           </a:xfrm>
           <a:prstGeom prst="rect">
             <a:avLst/>
           </a:prstGeom>
         </p:spPr>
         <p:txBody>
-          <a:bodyPr vert="horz" lIns="91440" tIns="45720" rIns="91440" bIns="45720" rtlCol="0" anchor="ctr">
+          <a:bodyPr vert="horz" lIns="91440" rIns="45720" rtlCol="0" anchor="ctr">
             <a:normAutofit/>
+            <a:scene3d>
+              <a:camera prst="orthographicFront"/>
+              <a:lightRig rig="threePt" dir="t">
+                <a:rot lat="0" lon="0" rev="4800000"/>
+              </a:lightRig>
+            </a:scene3d>
+            <a:sp3d prstMaterial="matte">
+              <a:bevelT w="50800" h="10160"/>
+            </a:sp3d>
           </a:bodyPr>
-          <a:lstStyle/>
+          <a:lstStyle>
+            <a:extLst/>
+          </a:lstStyle>
           <a:p>
             <a:r>
-              <a:rPr lang="zh-TW" altLang="en-US" smtClean="0"/>
+              <a:rPr kumimoji="0" lang="zh-TW" altLang="en-US" smtClean="0"/>
               <a:t>按一下以編輯母片標題樣式</a:t>
             </a:r>
-            <a:endParaRPr lang="zh-TW" altLang="en-US"/>
+            <a:endParaRPr kumimoji="0" lang="en-US"/>
           </a:p>
         </p:txBody>
       </p:sp>
@@ -2731,53 +3448,55 @@
         </p:nvSpPr>
         <p:spPr>
           <a:xfrm>
-            <a:off x="609600" y="1600203"/>
-            <a:ext cx="10972800" cy="4525963"/>
+            <a:off x="609600" y="1775192"/>
+            <a:ext cx="10972800" cy="4625609"/>
           </a:xfrm>
           <a:prstGeom prst="rect">
             <a:avLst/>
           </a:prstGeom>
         </p:spPr>
         <p:txBody>
-          <a:bodyPr vert="horz" lIns="91440" tIns="45720" rIns="91440" bIns="45720" rtlCol="0">
+          <a:bodyPr vert="horz" lIns="54864" tIns="91440" rtlCol="0">
             <a:normAutofit/>
           </a:bodyPr>
-          <a:lstStyle/>
+          <a:lstStyle>
+            <a:extLst/>
+          </a:lstStyle>
           <a:p>
-            <a:pPr lvl="0"/>
+            <a:pPr lvl="0" eaLnBrk="1" latinLnBrk="0" hangingPunct="1"/>
             <a:r>
-              <a:rPr lang="zh-TW" altLang="en-US" smtClean="0"/>
+              <a:rPr kumimoji="0" lang="zh-TW" altLang="en-US" smtClean="0"/>
               <a:t>按一下以編輯母片文字樣式</a:t>
             </a:r>
           </a:p>
           <a:p>
-            <a:pPr lvl="1"/>
+            <a:pPr lvl="1" eaLnBrk="1" latinLnBrk="0" hangingPunct="1"/>
             <a:r>
-              <a:rPr lang="zh-TW" altLang="en-US" smtClean="0"/>
+              <a:rPr kumimoji="0" lang="zh-TW" altLang="en-US" smtClean="0"/>
               <a:t>第二層</a:t>
             </a:r>
           </a:p>
           <a:p>
-            <a:pPr lvl="2"/>
+            <a:pPr lvl="2" eaLnBrk="1" latinLnBrk="0" hangingPunct="1"/>
             <a:r>
-              <a:rPr lang="zh-TW" altLang="en-US" smtClean="0"/>
+              <a:rPr kumimoji="0" lang="zh-TW" altLang="en-US" smtClean="0"/>
               <a:t>第三層</a:t>
             </a:r>
           </a:p>
           <a:p>
-            <a:pPr lvl="3"/>
+            <a:pPr lvl="3" eaLnBrk="1" latinLnBrk="0" hangingPunct="1"/>
             <a:r>
-              <a:rPr lang="zh-TW" altLang="en-US" smtClean="0"/>
+              <a:rPr kumimoji="0" lang="zh-TW" altLang="en-US" smtClean="0"/>
               <a:t>第四層</a:t>
             </a:r>
           </a:p>
           <a:p>
-            <a:pPr lvl="4"/>
+            <a:pPr lvl="4" eaLnBrk="1" latinLnBrk="0" hangingPunct="1"/>
             <a:r>
-              <a:rPr lang="zh-TW" altLang="en-US" smtClean="0"/>
+              <a:rPr kumimoji="0" lang="zh-TW" altLang="en-US" smtClean="0"/>
               <a:t>第五層</a:t>
             </a:r>
-            <a:endParaRPr lang="zh-TW" altLang="en-US"/>
+            <a:endParaRPr kumimoji="0" lang="en-US"/>
           </a:p>
         </p:txBody>
       </p:sp>
@@ -2793,25 +3512,26 @@
         </p:nvSpPr>
         <p:spPr>
           <a:xfrm>
-            <a:off x="609600" y="6356353"/>
-            <a:ext cx="2844800" cy="365125"/>
+            <a:off x="609600" y="6476999"/>
+            <a:ext cx="2844800" cy="274320"/>
           </a:xfrm>
           <a:prstGeom prst="rect">
             <a:avLst/>
           </a:prstGeom>
         </p:spPr>
         <p:txBody>
-          <a:bodyPr vert="horz" lIns="91440" tIns="45720" rIns="91440" bIns="45720" rtlCol="0" anchor="ctr"/>
+          <a:bodyPr vert="horz" lIns="109728" rIns="45720" bIns="0" rtlCol="0" anchor="b"/>
           <a:lstStyle>
-            <a:lvl1pPr algn="l">
-              <a:defRPr sz="1200">
+            <a:lvl1pPr algn="l" eaLnBrk="1" latinLnBrk="0" hangingPunct="1">
+              <a:defRPr kumimoji="0" sz="1200">
                 <a:solidFill>
                   <a:schemeClr val="tx1">
-                    <a:tint val="75000"/>
+                    <a:tint val="95000"/>
                   </a:schemeClr>
                 </a:solidFill>
               </a:defRPr>
             </a:lvl1pPr>
+            <a:extLst/>
           </a:lstStyle>
           <a:p>
             <a:fld id="{E3686CA8-88BE-4BEA-8E9C-0297314CA533}" type="datetimeFigureOut">
@@ -2835,25 +3555,26 @@
         </p:nvSpPr>
         <p:spPr>
           <a:xfrm>
-            <a:off x="4165600" y="6356353"/>
-            <a:ext cx="3860800" cy="365125"/>
+            <a:off x="3520796" y="6476999"/>
+            <a:ext cx="7343625" cy="274320"/>
           </a:xfrm>
           <a:prstGeom prst="rect">
             <a:avLst/>
           </a:prstGeom>
         </p:spPr>
         <p:txBody>
-          <a:bodyPr vert="horz" lIns="91440" tIns="45720" rIns="91440" bIns="45720" rtlCol="0" anchor="ctr"/>
+          <a:bodyPr vert="horz" lIns="45720" rIns="45720" bIns="0" rtlCol="0" anchor="b"/>
           <a:lstStyle>
-            <a:lvl1pPr algn="ctr">
-              <a:defRPr sz="1200">
+            <a:lvl1pPr algn="l" eaLnBrk="1" latinLnBrk="0" hangingPunct="1">
+              <a:defRPr kumimoji="0" sz="1200">
                 <a:solidFill>
                   <a:schemeClr val="tx1">
-                    <a:tint val="75000"/>
+                    <a:tint val="95000"/>
                   </a:schemeClr>
                 </a:solidFill>
               </a:defRPr>
             </a:lvl1pPr>
+            <a:extLst/>
           </a:lstStyle>
           <a:p>
             <a:endParaRPr lang="zh-TW" altLang="en-US"/>
@@ -2872,25 +3593,26 @@
         </p:nvSpPr>
         <p:spPr>
           <a:xfrm>
-            <a:off x="8737600" y="6356353"/>
-            <a:ext cx="2844800" cy="365125"/>
+            <a:off x="10939195" y="6476999"/>
+            <a:ext cx="978485" cy="274320"/>
           </a:xfrm>
           <a:prstGeom prst="rect">
             <a:avLst/>
           </a:prstGeom>
         </p:spPr>
         <p:txBody>
-          <a:bodyPr vert="horz" lIns="91440" tIns="45720" rIns="91440" bIns="45720" rtlCol="0" anchor="ctr"/>
+          <a:bodyPr vert="horz" bIns="0" rtlCol="0" anchor="b"/>
           <a:lstStyle>
-            <a:lvl1pPr algn="r">
-              <a:defRPr sz="1200">
+            <a:lvl1pPr algn="r" eaLnBrk="1" latinLnBrk="0" hangingPunct="1">
+              <a:defRPr kumimoji="0" sz="1200">
                 <a:solidFill>
                   <a:schemeClr val="tx1">
-                    <a:tint val="75000"/>
+                    <a:tint val="95000"/>
                   </a:schemeClr>
                 </a:solidFill>
               </a:defRPr>
             </a:lvl1pPr>
+            <a:extLst/>
           </a:lstStyle>
           <a:p>
             <a:fld id="{47ED6F64-2E6E-46A0-AE93-879BFD3C71A9}" type="slidenum">
@@ -2906,17 +3628,17 @@
   </p:cSld>
   <p:clrMap bg1="lt1" tx1="dk1" bg2="lt2" tx2="dk2" accent1="accent1" accent2="accent2" accent3="accent3" accent4="accent4" accent5="accent5" accent6="accent6" hlink="hlink" folHlink="folHlink"/>
   <p:sldLayoutIdLst>
-    <p:sldLayoutId id="2147483775" r:id="rId1"/>
-    <p:sldLayoutId id="2147483776" r:id="rId2"/>
-    <p:sldLayoutId id="2147483777" r:id="rId3"/>
-    <p:sldLayoutId id="2147483778" r:id="rId4"/>
-    <p:sldLayoutId id="2147483779" r:id="rId5"/>
-    <p:sldLayoutId id="2147483780" r:id="rId6"/>
-    <p:sldLayoutId id="2147483781" r:id="rId7"/>
-    <p:sldLayoutId id="2147483782" r:id="rId8"/>
-    <p:sldLayoutId id="2147483783" r:id="rId9"/>
-    <p:sldLayoutId id="2147483784" r:id="rId10"/>
-    <p:sldLayoutId id="2147483785" r:id="rId11"/>
+    <p:sldLayoutId id="2147483799" r:id="rId1"/>
+    <p:sldLayoutId id="2147483800" r:id="rId2"/>
+    <p:sldLayoutId id="2147483801" r:id="rId3"/>
+    <p:sldLayoutId id="2147483802" r:id="rId4"/>
+    <p:sldLayoutId id="2147483803" r:id="rId5"/>
+    <p:sldLayoutId id="2147483804" r:id="rId6"/>
+    <p:sldLayoutId id="2147483805" r:id="rId7"/>
+    <p:sldLayoutId id="2147483806" r:id="rId8"/>
+    <p:sldLayoutId id="2147483807" r:id="rId9"/>
+    <p:sldLayoutId id="2147483808" r:id="rId10"/>
+    <p:sldLayoutId id="2147483809" r:id="rId11"/>
   </p:sldLayoutIdLst>
   <p:transition spd="med">
     <p:cover dir="r"/>
@@ -2930,29 +3652,37 @@
   </p:timing>
   <p:txStyles>
     <p:titleStyle>
-      <a:lvl1pPr algn="ctr" defTabSz="914400" rtl="0" eaLnBrk="1" latinLnBrk="0" hangingPunct="1">
+      <a:lvl1pPr algn="l" rtl="0" eaLnBrk="1" latinLnBrk="0" hangingPunct="1">
         <a:spcBef>
           <a:spcPct val="0"/>
         </a:spcBef>
         <a:buNone/>
-        <a:defRPr sz="4400" kern="1200">
+        <a:defRPr kumimoji="0" sz="4500" b="1" kern="1200">
           <a:solidFill>
-            <a:schemeClr val="tx1"/>
+            <a:schemeClr val="accent1">
+              <a:satMod val="150000"/>
+            </a:schemeClr>
           </a:solidFill>
+          <a:effectLst/>
           <a:latin typeface="+mj-lt"/>
           <a:ea typeface="+mj-ea"/>
           <a:cs typeface="+mj-cs"/>
         </a:defRPr>
       </a:lvl1pPr>
+      <a:extLst/>
     </p:titleStyle>
     <p:bodyStyle>
-      <a:lvl1pPr marL="342900" indent="-342900" algn="l" defTabSz="914400" rtl="0" eaLnBrk="1" latinLnBrk="0" hangingPunct="1">
+      <a:lvl1pPr marL="438912" indent="-320040" algn="l" rtl="0" eaLnBrk="1" latinLnBrk="0" hangingPunct="1">
         <a:spcBef>
-          <a:spcPct val="20000"/>
+          <a:spcPts val="0"/>
         </a:spcBef>
-        <a:buFont typeface="Arial" pitchFamily="34" charset="0"/>
-        <a:buChar char="•"/>
-        <a:defRPr sz="3200" kern="1200">
+        <a:buClr>
+          <a:schemeClr val="accent1"/>
+        </a:buClr>
+        <a:buSzPct val="80000"/>
+        <a:buFont typeface="Wingdings 2"/>
+        <a:buChar char=""/>
+        <a:defRPr kumimoji="0" sz="3200" kern="1200">
           <a:solidFill>
             <a:schemeClr val="tx1"/>
           </a:solidFill>
@@ -2961,13 +3691,17 @@
           <a:cs typeface="+mn-cs"/>
         </a:defRPr>
       </a:lvl1pPr>
-      <a:lvl2pPr marL="742950" indent="-285750" algn="l" defTabSz="914400" rtl="0" eaLnBrk="1" latinLnBrk="0" hangingPunct="1">
+      <a:lvl2pPr marL="731520" indent="-274320" algn="l" rtl="0" eaLnBrk="1" latinLnBrk="0" hangingPunct="1">
         <a:spcBef>
           <a:spcPct val="20000"/>
         </a:spcBef>
-        <a:buFont typeface="Arial" pitchFamily="34" charset="0"/>
-        <a:buChar char="–"/>
-        <a:defRPr sz="2800" kern="1200">
+        <a:buClr>
+          <a:schemeClr val="accent2"/>
+        </a:buClr>
+        <a:buSzPct val="90000"/>
+        <a:buFont typeface="Wingdings"/>
+        <a:buChar char=""/>
+        <a:defRPr kumimoji="0" sz="2800" kern="1200">
           <a:solidFill>
             <a:schemeClr val="tx1"/>
           </a:solidFill>
@@ -2976,13 +3710,16 @@
           <a:cs typeface="+mn-cs"/>
         </a:defRPr>
       </a:lvl2pPr>
-      <a:lvl3pPr marL="1143000" indent="-228600" algn="l" defTabSz="914400" rtl="0" eaLnBrk="1" latinLnBrk="0" hangingPunct="1">
+      <a:lvl3pPr marL="996696" indent="-228600" algn="l" rtl="0" eaLnBrk="1" latinLnBrk="0" hangingPunct="1">
         <a:spcBef>
           <a:spcPct val="20000"/>
         </a:spcBef>
-        <a:buFont typeface="Arial" pitchFamily="34" charset="0"/>
-        <a:buChar char="•"/>
-        <a:defRPr sz="2400" kern="1200">
+        <a:buClr>
+          <a:schemeClr val="accent3"/>
+        </a:buClr>
+        <a:buFont typeface="Arial"/>
+        <a:buChar char="▪"/>
+        <a:defRPr kumimoji="0" sz="2400" kern="1200">
           <a:solidFill>
             <a:schemeClr val="tx1"/>
           </a:solidFill>
@@ -2991,13 +3728,16 @@
           <a:cs typeface="+mn-cs"/>
         </a:defRPr>
       </a:lvl3pPr>
-      <a:lvl4pPr marL="1600200" indent="-228600" algn="l" defTabSz="914400" rtl="0" eaLnBrk="1" latinLnBrk="0" hangingPunct="1">
+      <a:lvl4pPr marL="1216152" indent="-182880" algn="l" rtl="0" eaLnBrk="1" latinLnBrk="0" hangingPunct="1">
         <a:spcBef>
           <a:spcPct val="20000"/>
         </a:spcBef>
-        <a:buFont typeface="Arial" pitchFamily="34" charset="0"/>
-        <a:buChar char="–"/>
-        <a:defRPr sz="2000" kern="1200">
+        <a:buClr>
+          <a:schemeClr val="accent4"/>
+        </a:buClr>
+        <a:buFont typeface="Arial"/>
+        <a:buChar char="▪"/>
+        <a:defRPr kumimoji="0" sz="2000" kern="1200">
           <a:solidFill>
             <a:schemeClr val="tx1"/>
           </a:solidFill>
@@ -3006,13 +3746,16 @@
           <a:cs typeface="+mn-cs"/>
         </a:defRPr>
       </a:lvl4pPr>
-      <a:lvl5pPr marL="2057400" indent="-228600" algn="l" defTabSz="914400" rtl="0" eaLnBrk="1" latinLnBrk="0" hangingPunct="1">
+      <a:lvl5pPr marL="1426464" indent="-182880" algn="l" rtl="0" eaLnBrk="1" latinLnBrk="0" hangingPunct="1">
         <a:spcBef>
           <a:spcPct val="20000"/>
         </a:spcBef>
-        <a:buFont typeface="Arial" pitchFamily="34" charset="0"/>
-        <a:buChar char="»"/>
-        <a:defRPr sz="2000" kern="1200">
+        <a:buClr>
+          <a:schemeClr val="accent5"/>
+        </a:buClr>
+        <a:buFont typeface="Wingdings 3"/>
+        <a:buChar char=""/>
+        <a:defRPr kumimoji="0" lang="en-US" sz="2000" kern="1200" smtClean="0">
           <a:solidFill>
             <a:schemeClr val="tx1"/>
           </a:solidFill>
@@ -3021,13 +3764,17 @@
           <a:cs typeface="+mn-cs"/>
         </a:defRPr>
       </a:lvl5pPr>
-      <a:lvl6pPr marL="2514600" indent="-228600" algn="l" defTabSz="914400" rtl="0" eaLnBrk="1" latinLnBrk="0" hangingPunct="1">
+      <a:lvl6pPr marL="1627632" indent="-182880" algn="l" rtl="0" eaLnBrk="1" latinLnBrk="0" hangingPunct="1">
         <a:spcBef>
           <a:spcPct val="20000"/>
         </a:spcBef>
-        <a:buFont typeface="Arial" pitchFamily="34" charset="0"/>
-        <a:buChar char="•"/>
-        <a:defRPr sz="2000" kern="1200">
+        <a:buClr>
+          <a:schemeClr val="accent6"/>
+        </a:buClr>
+        <a:buSzPct val="100000"/>
+        <a:buFont typeface="Wingdings 2"/>
+        <a:buChar char=""/>
+        <a:defRPr kumimoji="0" sz="2000" kern="1200">
           <a:solidFill>
             <a:schemeClr val="tx1"/>
           </a:solidFill>
@@ -3036,13 +3783,17 @@
           <a:cs typeface="+mn-cs"/>
         </a:defRPr>
       </a:lvl6pPr>
-      <a:lvl7pPr marL="2971800" indent="-228600" algn="l" defTabSz="914400" rtl="0" eaLnBrk="1" latinLnBrk="0" hangingPunct="1">
+      <a:lvl7pPr marL="1828800" indent="-182880" algn="l" rtl="0" eaLnBrk="1" latinLnBrk="0" hangingPunct="1">
         <a:spcBef>
           <a:spcPct val="20000"/>
         </a:spcBef>
-        <a:buFont typeface="Arial" pitchFamily="34" charset="0"/>
-        <a:buChar char="•"/>
-        <a:defRPr sz="2000" kern="1200">
+        <a:buClr>
+          <a:schemeClr val="accent1"/>
+        </a:buClr>
+        <a:buSzPct val="100000"/>
+        <a:buFont typeface="Wingdings 2"/>
+        <a:buChar char=""/>
+        <a:defRPr kumimoji="0" sz="1800" kern="1200">
           <a:solidFill>
             <a:schemeClr val="tx1"/>
           </a:solidFill>
@@ -3051,13 +3802,16 @@
           <a:cs typeface="+mn-cs"/>
         </a:defRPr>
       </a:lvl7pPr>
-      <a:lvl8pPr marL="3429000" indent="-228600" algn="l" defTabSz="914400" rtl="0" eaLnBrk="1" latinLnBrk="0" hangingPunct="1">
+      <a:lvl8pPr marL="2029968" indent="-182880" algn="l" rtl="0" eaLnBrk="1" latinLnBrk="0" hangingPunct="1">
         <a:spcBef>
           <a:spcPct val="20000"/>
         </a:spcBef>
-        <a:buFont typeface="Arial" pitchFamily="34" charset="0"/>
-        <a:buChar char="•"/>
-        <a:defRPr sz="2000" kern="1200">
+        <a:buClr>
+          <a:schemeClr val="accent2"/>
+        </a:buClr>
+        <a:buFont typeface="Wingdings 2" pitchFamily="18" charset="2"/>
+        <a:buChar char=""/>
+        <a:defRPr kumimoji="0" sz="1800" kern="1200">
           <a:solidFill>
             <a:schemeClr val="tx1"/>
           </a:solidFill>
@@ -3066,13 +3820,16 @@
           <a:cs typeface="+mn-cs"/>
         </a:defRPr>
       </a:lvl8pPr>
-      <a:lvl9pPr marL="3886200" indent="-228600" algn="l" defTabSz="914400" rtl="0" eaLnBrk="1" latinLnBrk="0" hangingPunct="1">
+      <a:lvl9pPr marL="2231136" indent="-182880" algn="l" rtl="0" eaLnBrk="1" latinLnBrk="0" hangingPunct="1">
         <a:spcBef>
           <a:spcPct val="20000"/>
         </a:spcBef>
-        <a:buFont typeface="Arial" pitchFamily="34" charset="0"/>
-        <a:buChar char="•"/>
-        <a:defRPr sz="2000" kern="1200">
+        <a:buClr>
+          <a:schemeClr val="accent3"/>
+        </a:buClr>
+        <a:buFont typeface="Wingdings 2" pitchFamily="18" charset="2"/>
+        <a:buChar char=""/>
+        <a:defRPr kumimoji="0" sz="1800" kern="1200" baseline="0">
           <a:solidFill>
             <a:schemeClr val="tx1"/>
           </a:solidFill>
@@ -3081,13 +3838,11 @@
           <a:cs typeface="+mn-cs"/>
         </a:defRPr>
       </a:lvl9pPr>
+      <a:extLst/>
     </p:bodyStyle>
     <p:otherStyle>
-      <a:defPPr>
-        <a:defRPr lang="zh-TW"/>
-      </a:defPPr>
-      <a:lvl1pPr marL="0" algn="l" defTabSz="914400" rtl="0" eaLnBrk="1" latinLnBrk="0" hangingPunct="1">
-        <a:defRPr sz="1800" kern="1200">
+      <a:lvl1pPr marL="0" algn="l" rtl="0" eaLnBrk="1" latinLnBrk="0" hangingPunct="1">
+        <a:defRPr kumimoji="0" kern="1200">
           <a:solidFill>
             <a:schemeClr val="tx1"/>
           </a:solidFill>
@@ -3096,8 +3851,8 @@
           <a:cs typeface="+mn-cs"/>
         </a:defRPr>
       </a:lvl1pPr>
-      <a:lvl2pPr marL="457200" algn="l" defTabSz="914400" rtl="0" eaLnBrk="1" latinLnBrk="0" hangingPunct="1">
-        <a:defRPr sz="1800" kern="1200">
+      <a:lvl2pPr marL="457200" algn="l" rtl="0" eaLnBrk="1" latinLnBrk="0" hangingPunct="1">
+        <a:defRPr kumimoji="0" kern="1200">
           <a:solidFill>
             <a:schemeClr val="tx1"/>
           </a:solidFill>
@@ -3106,8 +3861,8 @@
           <a:cs typeface="+mn-cs"/>
         </a:defRPr>
       </a:lvl2pPr>
-      <a:lvl3pPr marL="914400" algn="l" defTabSz="914400" rtl="0" eaLnBrk="1" latinLnBrk="0" hangingPunct="1">
-        <a:defRPr sz="1800" kern="1200">
+      <a:lvl3pPr marL="914400" algn="l" rtl="0" eaLnBrk="1" latinLnBrk="0" hangingPunct="1">
+        <a:defRPr kumimoji="0" kern="1200">
           <a:solidFill>
             <a:schemeClr val="tx1"/>
           </a:solidFill>
@@ -3116,8 +3871,8 @@
           <a:cs typeface="+mn-cs"/>
         </a:defRPr>
       </a:lvl3pPr>
-      <a:lvl4pPr marL="1371600" algn="l" defTabSz="914400" rtl="0" eaLnBrk="1" latinLnBrk="0" hangingPunct="1">
-        <a:defRPr sz="1800" kern="1200">
+      <a:lvl4pPr marL="1371600" algn="l" rtl="0" eaLnBrk="1" latinLnBrk="0" hangingPunct="1">
+        <a:defRPr kumimoji="0" kern="1200">
           <a:solidFill>
             <a:schemeClr val="tx1"/>
           </a:solidFill>
@@ -3126,8 +3881,8 @@
           <a:cs typeface="+mn-cs"/>
         </a:defRPr>
       </a:lvl4pPr>
-      <a:lvl5pPr marL="1828800" algn="l" defTabSz="914400" rtl="0" eaLnBrk="1" latinLnBrk="0" hangingPunct="1">
-        <a:defRPr sz="1800" kern="1200">
+      <a:lvl5pPr marL="1828800" algn="l" rtl="0" eaLnBrk="1" latinLnBrk="0" hangingPunct="1">
+        <a:defRPr kumimoji="0" kern="1200">
           <a:solidFill>
             <a:schemeClr val="tx1"/>
           </a:solidFill>
@@ -3136,8 +3891,8 @@
           <a:cs typeface="+mn-cs"/>
         </a:defRPr>
       </a:lvl5pPr>
-      <a:lvl6pPr marL="2286000" algn="l" defTabSz="914400" rtl="0" eaLnBrk="1" latinLnBrk="0" hangingPunct="1">
-        <a:defRPr sz="1800" kern="1200">
+      <a:lvl6pPr marL="2286000" algn="l" rtl="0" eaLnBrk="1" latinLnBrk="0" hangingPunct="1">
+        <a:defRPr kumimoji="0" kern="1200">
           <a:solidFill>
             <a:schemeClr val="tx1"/>
           </a:solidFill>
@@ -3146,8 +3901,8 @@
           <a:cs typeface="+mn-cs"/>
         </a:defRPr>
       </a:lvl6pPr>
-      <a:lvl7pPr marL="2743200" algn="l" defTabSz="914400" rtl="0" eaLnBrk="1" latinLnBrk="0" hangingPunct="1">
-        <a:defRPr sz="1800" kern="1200">
+      <a:lvl7pPr marL="2743200" algn="l" rtl="0" eaLnBrk="1" latinLnBrk="0" hangingPunct="1">
+        <a:defRPr kumimoji="0" kern="1200">
           <a:solidFill>
             <a:schemeClr val="tx1"/>
           </a:solidFill>
@@ -3156,8 +3911,8 @@
           <a:cs typeface="+mn-cs"/>
         </a:defRPr>
       </a:lvl7pPr>
-      <a:lvl8pPr marL="3200400" algn="l" defTabSz="914400" rtl="0" eaLnBrk="1" latinLnBrk="0" hangingPunct="1">
-        <a:defRPr sz="1800" kern="1200">
+      <a:lvl8pPr marL="3200400" algn="l" rtl="0" eaLnBrk="1" latinLnBrk="0" hangingPunct="1">
+        <a:defRPr kumimoji="0" kern="1200">
           <a:solidFill>
             <a:schemeClr val="tx1"/>
           </a:solidFill>
@@ -3166,8 +3921,8 @@
           <a:cs typeface="+mn-cs"/>
         </a:defRPr>
       </a:lvl8pPr>
-      <a:lvl9pPr marL="3657600" algn="l" defTabSz="914400" rtl="0" eaLnBrk="1" latinLnBrk="0" hangingPunct="1">
-        <a:defRPr sz="1800" kern="1200">
+      <a:lvl9pPr marL="3657600" algn="l" rtl="0" eaLnBrk="1" latinLnBrk="0" hangingPunct="1">
+        <a:defRPr kumimoji="0" kern="1200">
           <a:solidFill>
             <a:schemeClr val="tx1"/>
           </a:solidFill>
@@ -3176,6 +3931,7 @@
           <a:cs typeface="+mn-cs"/>
         </a:defRPr>
       </a:lvl9pPr>
+      <a:extLst/>
     </p:otherStyle>
   </p:txStyles>
 </p:sldMaster>
@@ -3210,7 +3966,7 @@
         </p:nvSpPr>
         <p:spPr>
           <a:xfrm>
-            <a:off x="4308779" y="1415691"/>
+            <a:off x="4411416" y="212042"/>
             <a:ext cx="3696886" cy="385117"/>
           </a:xfrm>
         </p:spPr>
@@ -3260,15 +4016,7 @@
             <a:pPr algn="ctr"/>
             <a:r>
               <a:rPr lang="en-US" altLang="zh-TW" sz="3600" dirty="0" smtClean="0"/>
-              <a:t>Stylish </a:t>
-            </a:r>
-            <a:r>
-              <a:rPr lang="en-US" altLang="zh-TW" sz="3600" dirty="0" smtClean="0"/>
-              <a:t>Gesture </a:t>
-            </a:r>
-            <a:r>
-              <a:rPr lang="en-US" altLang="zh-TW" sz="3600" dirty="0" smtClean="0"/>
-              <a:t>Remote Control</a:t>
+              <a:t>Stylish Gesture Remote Control</a:t>
             </a:r>
             <a:endParaRPr lang="zh-TW" altLang="en-US" sz="3600" dirty="0"/>
           </a:p>
@@ -3310,7 +4058,7 @@
           <p:cNvPr id="6" name="Freeform 32">
             <a:extLst>
               <a:ext uri="{FF2B5EF4-FFF2-40B4-BE49-F238E27FC236}">
-                <a16:creationId xmlns:a16="http://schemas.microsoft.com/office/drawing/2014/main" xmlns="" id="{9C5A04AA-A50B-457A-A783-D941E78BCCDF}"/>
+                <a16:creationId xmlns="" xmlns:a16="http://schemas.microsoft.com/office/drawing/2014/main" id="{9C5A04AA-A50B-457A-A783-D941E78BCCDF}"/>
               </a:ext>
             </a:extLst>
           </p:cNvPr>
@@ -3493,7 +4241,7 @@
           <p:cNvPr id="7" name="Group 2">
             <a:extLst>
               <a:ext uri="{FF2B5EF4-FFF2-40B4-BE49-F238E27FC236}">
-                <a16:creationId xmlns:a16="http://schemas.microsoft.com/office/drawing/2014/main" xmlns="" id="{6B6DF298-8096-43F9-B5CE-43022A3B153A}"/>
+                <a16:creationId xmlns="" xmlns:a16="http://schemas.microsoft.com/office/drawing/2014/main" id="{6B6DF298-8096-43F9-B5CE-43022A3B153A}"/>
               </a:ext>
             </a:extLst>
           </p:cNvPr>
@@ -3513,7 +4261,7 @@
             <p:cNvPr id="8" name="Freeform: Shape 3">
               <a:extLst>
                 <a:ext uri="{FF2B5EF4-FFF2-40B4-BE49-F238E27FC236}">
-                  <a16:creationId xmlns:a16="http://schemas.microsoft.com/office/drawing/2014/main" xmlns="" id="{FB20EBFE-F047-45B4-A4DF-5989DE884578}"/>
+                  <a16:creationId xmlns="" xmlns:a16="http://schemas.microsoft.com/office/drawing/2014/main" id="{FB20EBFE-F047-45B4-A4DF-5989DE884578}"/>
                 </a:ext>
               </a:extLst>
             </p:cNvPr>
@@ -3612,7 +4360,7 @@
             <p:cNvPr id="9" name="Group 4">
               <a:extLst>
                 <a:ext uri="{FF2B5EF4-FFF2-40B4-BE49-F238E27FC236}">
-                  <a16:creationId xmlns:a16="http://schemas.microsoft.com/office/drawing/2014/main" xmlns="" id="{54F66837-8BD7-4F65-A86D-06FB8680AC1C}"/>
+                  <a16:creationId xmlns="" xmlns:a16="http://schemas.microsoft.com/office/drawing/2014/main" id="{54F66837-8BD7-4F65-A86D-06FB8680AC1C}"/>
                 </a:ext>
               </a:extLst>
             </p:cNvPr>
@@ -3632,7 +4380,7 @@
               <p:cNvPr id="30" name="Freeform: Shape 25">
                 <a:extLst>
                   <a:ext uri="{FF2B5EF4-FFF2-40B4-BE49-F238E27FC236}">
-                    <a16:creationId xmlns:a16="http://schemas.microsoft.com/office/drawing/2014/main" xmlns="" id="{BB8C0CC1-525C-40FE-B5F6-AF40160D68D4}"/>
+                    <a16:creationId xmlns="" xmlns:a16="http://schemas.microsoft.com/office/drawing/2014/main" id="{BB8C0CC1-525C-40FE-B5F6-AF40160D68D4}"/>
                   </a:ext>
                 </a:extLst>
               </p:cNvPr>
@@ -3879,7 +4627,7 @@
               <p:cNvPr id="31" name="Freeform: Shape 26">
                 <a:extLst>
                   <a:ext uri="{FF2B5EF4-FFF2-40B4-BE49-F238E27FC236}">
-                    <a16:creationId xmlns:a16="http://schemas.microsoft.com/office/drawing/2014/main" xmlns="" id="{988D1722-2A05-4DEF-8A0F-851EF893E3E0}"/>
+                    <a16:creationId xmlns="" xmlns:a16="http://schemas.microsoft.com/office/drawing/2014/main" id="{988D1722-2A05-4DEF-8A0F-851EF893E3E0}"/>
                   </a:ext>
                 </a:extLst>
               </p:cNvPr>
@@ -4197,7 +4945,7 @@
               <p:cNvPr id="32" name="Freeform: Shape 27">
                 <a:extLst>
                   <a:ext uri="{FF2B5EF4-FFF2-40B4-BE49-F238E27FC236}">
-                    <a16:creationId xmlns:a16="http://schemas.microsoft.com/office/drawing/2014/main" xmlns="" id="{C3B24D82-FD89-4F4F-BEC7-26A1C4DF3DAA}"/>
+                    <a16:creationId xmlns="" xmlns:a16="http://schemas.microsoft.com/office/drawing/2014/main" id="{C3B24D82-FD89-4F4F-BEC7-26A1C4DF3DAA}"/>
                   </a:ext>
                 </a:extLst>
               </p:cNvPr>
@@ -4343,7 +5091,7 @@
               <p:cNvPr id="33" name="Freeform: Shape 28">
                 <a:extLst>
                   <a:ext uri="{FF2B5EF4-FFF2-40B4-BE49-F238E27FC236}">
-                    <a16:creationId xmlns:a16="http://schemas.microsoft.com/office/drawing/2014/main" xmlns="" id="{9392DC26-649E-43F5-9006-90EC16A27085}"/>
+                    <a16:creationId xmlns="" xmlns:a16="http://schemas.microsoft.com/office/drawing/2014/main" id="{9392DC26-649E-43F5-9006-90EC16A27085}"/>
                   </a:ext>
                 </a:extLst>
               </p:cNvPr>
@@ -4472,7 +5220,7 @@
               <p:cNvPr id="34" name="Freeform: Shape 29">
                 <a:extLst>
                   <a:ext uri="{FF2B5EF4-FFF2-40B4-BE49-F238E27FC236}">
-                    <a16:creationId xmlns:a16="http://schemas.microsoft.com/office/drawing/2014/main" xmlns="" id="{844D84C1-438C-4B26-B842-3851E5459848}"/>
+                    <a16:creationId xmlns="" xmlns:a16="http://schemas.microsoft.com/office/drawing/2014/main" id="{844D84C1-438C-4B26-B842-3851E5459848}"/>
                   </a:ext>
                 </a:extLst>
               </p:cNvPr>
@@ -4602,7 +5350,7 @@
             <p:cNvPr id="10" name="Group 5">
               <a:extLst>
                 <a:ext uri="{FF2B5EF4-FFF2-40B4-BE49-F238E27FC236}">
-                  <a16:creationId xmlns:a16="http://schemas.microsoft.com/office/drawing/2014/main" xmlns="" id="{91A21592-0A9A-4EB7-AF3C-602BD9C3AFA2}"/>
+                  <a16:creationId xmlns="" xmlns:a16="http://schemas.microsoft.com/office/drawing/2014/main" id="{91A21592-0A9A-4EB7-AF3C-602BD9C3AFA2}"/>
                 </a:ext>
               </a:extLst>
             </p:cNvPr>
@@ -4622,7 +5370,7 @@
               <p:cNvPr id="11" name="Group 6">
                 <a:extLst>
                   <a:ext uri="{FF2B5EF4-FFF2-40B4-BE49-F238E27FC236}">
-                    <a16:creationId xmlns:a16="http://schemas.microsoft.com/office/drawing/2014/main" xmlns="" id="{B21EA173-1C7A-462B-B0CD-DA300E68EF34}"/>
+                    <a16:creationId xmlns="" xmlns:a16="http://schemas.microsoft.com/office/drawing/2014/main" id="{B21EA173-1C7A-462B-B0CD-DA300E68EF34}"/>
                   </a:ext>
                 </a:extLst>
               </p:cNvPr>
@@ -4642,7 +5390,7 @@
                 <p:cNvPr id="13" name="Freeform: Shape 8">
                   <a:extLst>
                     <a:ext uri="{FF2B5EF4-FFF2-40B4-BE49-F238E27FC236}">
-                      <a16:creationId xmlns:a16="http://schemas.microsoft.com/office/drawing/2014/main" xmlns="" id="{74438BD1-3FBF-44A6-9B63-E5F96DA4BC39}"/>
+                      <a16:creationId xmlns="" xmlns:a16="http://schemas.microsoft.com/office/drawing/2014/main" id="{74438BD1-3FBF-44A6-9B63-E5F96DA4BC39}"/>
                     </a:ext>
                   </a:extLst>
                 </p:cNvPr>
@@ -5161,7 +5909,7 @@
                 <p:cNvPr id="14" name="Freeform: Shape 9">
                   <a:extLst>
                     <a:ext uri="{FF2B5EF4-FFF2-40B4-BE49-F238E27FC236}">
-                      <a16:creationId xmlns:a16="http://schemas.microsoft.com/office/drawing/2014/main" xmlns="" id="{06E74E6B-6F6E-484C-836E-45D7771F7595}"/>
+                      <a16:creationId xmlns="" xmlns:a16="http://schemas.microsoft.com/office/drawing/2014/main" id="{06E74E6B-6F6E-484C-836E-45D7771F7595}"/>
                     </a:ext>
                   </a:extLst>
                 </p:cNvPr>
@@ -5289,7 +6037,7 @@
                 <p:cNvPr id="15" name="Freeform: Shape 10">
                   <a:extLst>
                     <a:ext uri="{FF2B5EF4-FFF2-40B4-BE49-F238E27FC236}">
-                      <a16:creationId xmlns:a16="http://schemas.microsoft.com/office/drawing/2014/main" xmlns="" id="{D474C499-990C-4A6D-9C40-0C200356F1F7}"/>
+                      <a16:creationId xmlns="" xmlns:a16="http://schemas.microsoft.com/office/drawing/2014/main" id="{D474C499-990C-4A6D-9C40-0C200356F1F7}"/>
                     </a:ext>
                   </a:extLst>
                 </p:cNvPr>
@@ -5417,7 +6165,7 @@
                 <p:cNvPr id="16" name="Freeform: Shape 11">
                   <a:extLst>
                     <a:ext uri="{FF2B5EF4-FFF2-40B4-BE49-F238E27FC236}">
-                      <a16:creationId xmlns:a16="http://schemas.microsoft.com/office/drawing/2014/main" xmlns="" id="{A38C2BCD-8A95-4DE4-9518-F4DDC28B56BF}"/>
+                      <a16:creationId xmlns="" xmlns:a16="http://schemas.microsoft.com/office/drawing/2014/main" id="{A38C2BCD-8A95-4DE4-9518-F4DDC28B56BF}"/>
                     </a:ext>
                   </a:extLst>
                 </p:cNvPr>
@@ -5497,7 +6245,7 @@
                 <p:cNvPr id="17" name="Freeform: Shape 12">
                   <a:extLst>
                     <a:ext uri="{FF2B5EF4-FFF2-40B4-BE49-F238E27FC236}">
-                      <a16:creationId xmlns:a16="http://schemas.microsoft.com/office/drawing/2014/main" xmlns="" id="{BA08036A-1021-4CF1-951B-2D76034B6DCA}"/>
+                      <a16:creationId xmlns="" xmlns:a16="http://schemas.microsoft.com/office/drawing/2014/main" id="{BA08036A-1021-4CF1-951B-2D76034B6DCA}"/>
                     </a:ext>
                   </a:extLst>
                 </p:cNvPr>
@@ -5963,7 +6711,7 @@
                 <p:cNvPr id="18" name="Freeform: Shape 13">
                   <a:extLst>
                     <a:ext uri="{FF2B5EF4-FFF2-40B4-BE49-F238E27FC236}">
-                      <a16:creationId xmlns:a16="http://schemas.microsoft.com/office/drawing/2014/main" xmlns="" id="{81066CDF-8C1D-452A-867E-1F31C59EDB7D}"/>
+                      <a16:creationId xmlns="" xmlns:a16="http://schemas.microsoft.com/office/drawing/2014/main" id="{81066CDF-8C1D-452A-867E-1F31C59EDB7D}"/>
                     </a:ext>
                   </a:extLst>
                 </p:cNvPr>
@@ -6171,7 +6919,7 @@
                 <p:cNvPr id="19" name="Freeform: Shape 14">
                   <a:extLst>
                     <a:ext uri="{FF2B5EF4-FFF2-40B4-BE49-F238E27FC236}">
-                      <a16:creationId xmlns:a16="http://schemas.microsoft.com/office/drawing/2014/main" xmlns="" id="{2AD838B9-8141-4865-BE0C-BD7AC6032B7E}"/>
+                      <a16:creationId xmlns="" xmlns:a16="http://schemas.microsoft.com/office/drawing/2014/main" id="{2AD838B9-8141-4865-BE0C-BD7AC6032B7E}"/>
                     </a:ext>
                   </a:extLst>
                 </p:cNvPr>
@@ -6337,7 +7085,7 @@
                 <p:cNvPr id="20" name="Freeform: Shape 15">
                   <a:extLst>
                     <a:ext uri="{FF2B5EF4-FFF2-40B4-BE49-F238E27FC236}">
-                      <a16:creationId xmlns:a16="http://schemas.microsoft.com/office/drawing/2014/main" xmlns="" id="{507D80D0-CABB-48D9-BDAC-E6E751CB8062}"/>
+                      <a16:creationId xmlns="" xmlns:a16="http://schemas.microsoft.com/office/drawing/2014/main" id="{507D80D0-CABB-48D9-BDAC-E6E751CB8062}"/>
                     </a:ext>
                   </a:extLst>
                 </p:cNvPr>
@@ -6443,7 +7191,7 @@
                 <p:cNvPr id="21" name="Freeform: Shape 16">
                   <a:extLst>
                     <a:ext uri="{FF2B5EF4-FFF2-40B4-BE49-F238E27FC236}">
-                      <a16:creationId xmlns:a16="http://schemas.microsoft.com/office/drawing/2014/main" xmlns="" id="{A5AAFA42-7B07-47A1-B3DF-F74A3856A150}"/>
+                      <a16:creationId xmlns="" xmlns:a16="http://schemas.microsoft.com/office/drawing/2014/main" id="{A5AAFA42-7B07-47A1-B3DF-F74A3856A150}"/>
                     </a:ext>
                   </a:extLst>
                 </p:cNvPr>
@@ -6671,7 +7419,7 @@
                 <p:cNvPr id="22" name="Freeform: Shape 17">
                   <a:extLst>
                     <a:ext uri="{FF2B5EF4-FFF2-40B4-BE49-F238E27FC236}">
-                      <a16:creationId xmlns:a16="http://schemas.microsoft.com/office/drawing/2014/main" xmlns="" id="{B6102D22-1266-4F9C-A5E5-40197D54AC15}"/>
+                      <a16:creationId xmlns="" xmlns:a16="http://schemas.microsoft.com/office/drawing/2014/main" id="{B6102D22-1266-4F9C-A5E5-40197D54AC15}"/>
                     </a:ext>
                   </a:extLst>
                 </p:cNvPr>
@@ -6827,7 +7575,7 @@
                 <p:cNvPr id="23" name="Freeform: Shape 18">
                   <a:extLst>
                     <a:ext uri="{FF2B5EF4-FFF2-40B4-BE49-F238E27FC236}">
-                      <a16:creationId xmlns:a16="http://schemas.microsoft.com/office/drawing/2014/main" xmlns="" id="{9A4DF9C7-F2D4-4EB8-A157-A9964C960D01}"/>
+                      <a16:creationId xmlns="" xmlns:a16="http://schemas.microsoft.com/office/drawing/2014/main" id="{9A4DF9C7-F2D4-4EB8-A157-A9964C960D01}"/>
                     </a:ext>
                   </a:extLst>
                 </p:cNvPr>
@@ -6983,7 +7731,7 @@
                 <p:cNvPr id="24" name="Freeform: Shape 19">
                   <a:extLst>
                     <a:ext uri="{FF2B5EF4-FFF2-40B4-BE49-F238E27FC236}">
-                      <a16:creationId xmlns:a16="http://schemas.microsoft.com/office/drawing/2014/main" xmlns="" id="{0B79B56D-7B0C-4BAF-9DC2-589A5DA917CD}"/>
+                      <a16:creationId xmlns="" xmlns:a16="http://schemas.microsoft.com/office/drawing/2014/main" id="{0B79B56D-7B0C-4BAF-9DC2-589A5DA917CD}"/>
                     </a:ext>
                   </a:extLst>
                 </p:cNvPr>
@@ -7109,7 +7857,7 @@
                 <p:cNvPr id="25" name="Freeform: Shape 20">
                   <a:extLst>
                     <a:ext uri="{FF2B5EF4-FFF2-40B4-BE49-F238E27FC236}">
-                      <a16:creationId xmlns:a16="http://schemas.microsoft.com/office/drawing/2014/main" xmlns="" id="{E3713A3B-5DB6-436A-BEDD-A309A4DA30D1}"/>
+                      <a16:creationId xmlns="" xmlns:a16="http://schemas.microsoft.com/office/drawing/2014/main" id="{E3713A3B-5DB6-436A-BEDD-A309A4DA30D1}"/>
                     </a:ext>
                   </a:extLst>
                 </p:cNvPr>
@@ -7235,7 +7983,7 @@
                 <p:cNvPr id="26" name="Freeform: Shape 21">
                   <a:extLst>
                     <a:ext uri="{FF2B5EF4-FFF2-40B4-BE49-F238E27FC236}">
-                      <a16:creationId xmlns:a16="http://schemas.microsoft.com/office/drawing/2014/main" xmlns="" id="{8A0177C6-3B8D-4C40-A7B3-468EF7DF13CA}"/>
+                      <a16:creationId xmlns="" xmlns:a16="http://schemas.microsoft.com/office/drawing/2014/main" id="{8A0177C6-3B8D-4C40-A7B3-468EF7DF13CA}"/>
                     </a:ext>
                   </a:extLst>
                 </p:cNvPr>
@@ -7363,7 +8111,7 @@
                 <p:cNvPr id="27" name="Freeform: Shape 22">
                   <a:extLst>
                     <a:ext uri="{FF2B5EF4-FFF2-40B4-BE49-F238E27FC236}">
-                      <a16:creationId xmlns:a16="http://schemas.microsoft.com/office/drawing/2014/main" xmlns="" id="{17FD7C3D-4832-4F78-8605-86C0781A6043}"/>
+                      <a16:creationId xmlns="" xmlns:a16="http://schemas.microsoft.com/office/drawing/2014/main" id="{17FD7C3D-4832-4F78-8605-86C0781A6043}"/>
                     </a:ext>
                   </a:extLst>
                 </p:cNvPr>
@@ -7459,7 +8207,7 @@
                 <p:cNvPr id="28" name="Freeform: Shape 23">
                   <a:extLst>
                     <a:ext uri="{FF2B5EF4-FFF2-40B4-BE49-F238E27FC236}">
-                      <a16:creationId xmlns:a16="http://schemas.microsoft.com/office/drawing/2014/main" xmlns="" id="{A6F3B24F-EDBE-495F-AAFC-1761D6194534}"/>
+                      <a16:creationId xmlns="" xmlns:a16="http://schemas.microsoft.com/office/drawing/2014/main" id="{A6F3B24F-EDBE-495F-AAFC-1761D6194534}"/>
                     </a:ext>
                   </a:extLst>
                 </p:cNvPr>
@@ -8238,7 +8986,7 @@
                 <p:cNvPr id="29" name="Freeform: Shape 24">
                   <a:extLst>
                     <a:ext uri="{FF2B5EF4-FFF2-40B4-BE49-F238E27FC236}">
-                      <a16:creationId xmlns:a16="http://schemas.microsoft.com/office/drawing/2014/main" xmlns="" id="{251EB0C3-3D03-4E09-98DF-B8811B526C9B}"/>
+                      <a16:creationId xmlns="" xmlns:a16="http://schemas.microsoft.com/office/drawing/2014/main" id="{251EB0C3-3D03-4E09-98DF-B8811B526C9B}"/>
                     </a:ext>
                   </a:extLst>
                 </p:cNvPr>
@@ -8531,7 +9279,7 @@
               <p:cNvPr id="12" name="Freeform: Shape 7">
                 <a:extLst>
                   <a:ext uri="{FF2B5EF4-FFF2-40B4-BE49-F238E27FC236}">
-                    <a16:creationId xmlns:a16="http://schemas.microsoft.com/office/drawing/2014/main" xmlns="" id="{A0300B70-60EE-46A6-946B-C014F05456E2}"/>
+                    <a16:creationId xmlns="" xmlns:a16="http://schemas.microsoft.com/office/drawing/2014/main" id="{A0300B70-60EE-46A6-946B-C014F05456E2}"/>
                   </a:ext>
                 </a:extLst>
               </p:cNvPr>
@@ -8971,7 +9719,7 @@
     </p:spTree>
     <p:extLst>
       <p:ext uri="{BB962C8B-B14F-4D97-AF65-F5344CB8AC3E}">
-        <p14:creationId xmlns:p14="http://schemas.microsoft.com/office/powerpoint/2010/main" xmlns="" val="2397139453"/>
+        <p14:creationId xmlns="" xmlns:p14="http://schemas.microsoft.com/office/powerpoint/2010/main" val="2397139453"/>
       </p:ext>
     </p:extLst>
   </p:cSld>
@@ -9170,7 +9918,7 @@
     </p:spTree>
     <p:extLst>
       <p:ext uri="{BB962C8B-B14F-4D97-AF65-F5344CB8AC3E}">
-        <p14:creationId xmlns:p14="http://schemas.microsoft.com/office/powerpoint/2010/main" xmlns="" val="3645478332"/>
+        <p14:creationId xmlns="" xmlns:p14="http://schemas.microsoft.com/office/powerpoint/2010/main" val="3645478332"/>
       </p:ext>
     </p:extLst>
   </p:cSld>
@@ -9465,7 +10213,7 @@
         </p:spPr>
         <p:txBody>
           <a:bodyPr>
-            <a:normAutofit fontScale="62500" lnSpcReduction="20000"/>
+            <a:normAutofit fontScale="55000" lnSpcReduction="20000"/>
           </a:bodyPr>
           <a:lstStyle/>
           <a:p>
@@ -9637,7 +10385,7 @@
           <p:cNvPr id="9" name="Group 3">
             <a:extLst>
               <a:ext uri="{FF2B5EF4-FFF2-40B4-BE49-F238E27FC236}">
-                <a16:creationId xmlns:a16="http://schemas.microsoft.com/office/drawing/2014/main" xmlns="" id="{DF53E99B-EB5C-4F39-8627-7A4B90BF9E2D}"/>
+                <a16:creationId xmlns="" xmlns:a16="http://schemas.microsoft.com/office/drawing/2014/main" id="{DF53E99B-EB5C-4F39-8627-7A4B90BF9E2D}"/>
               </a:ext>
             </a:extLst>
           </p:cNvPr>
@@ -9657,7 +10405,7 @@
             <p:cNvPr id="10" name="Freeform: Shape 17">
               <a:extLst>
                 <a:ext uri="{FF2B5EF4-FFF2-40B4-BE49-F238E27FC236}">
-                  <a16:creationId xmlns:a16="http://schemas.microsoft.com/office/drawing/2014/main" xmlns="" id="{F28852A3-5375-4EEC-9E29-9643FCF604C9}"/>
+                  <a16:creationId xmlns="" xmlns:a16="http://schemas.microsoft.com/office/drawing/2014/main" id="{F28852A3-5375-4EEC-9E29-9643FCF604C9}"/>
                 </a:ext>
               </a:extLst>
             </p:cNvPr>
@@ -9810,7 +10558,7 @@
             <p:cNvPr id="11" name="Freeform: Shape 18">
               <a:extLst>
                 <a:ext uri="{FF2B5EF4-FFF2-40B4-BE49-F238E27FC236}">
-                  <a16:creationId xmlns:a16="http://schemas.microsoft.com/office/drawing/2014/main" xmlns="" id="{D3540B61-E964-4FA6-BFF0-6DF55C8371B1}"/>
+                  <a16:creationId xmlns="" xmlns:a16="http://schemas.microsoft.com/office/drawing/2014/main" id="{D3540B61-E964-4FA6-BFF0-6DF55C8371B1}"/>
                 </a:ext>
               </a:extLst>
             </p:cNvPr>
@@ -9938,7 +10686,7 @@
             <p:cNvPr id="12" name="Freeform: Shape 19">
               <a:extLst>
                 <a:ext uri="{FF2B5EF4-FFF2-40B4-BE49-F238E27FC236}">
-                  <a16:creationId xmlns:a16="http://schemas.microsoft.com/office/drawing/2014/main" xmlns="" id="{416BC11E-15E6-464C-8CB1-E9722CE8BA92}"/>
+                  <a16:creationId xmlns="" xmlns:a16="http://schemas.microsoft.com/office/drawing/2014/main" id="{416BC11E-15E6-464C-8CB1-E9722CE8BA92}"/>
                 </a:ext>
               </a:extLst>
             </p:cNvPr>
@@ -10018,7 +10766,7 @@
             <p:cNvPr id="13" name="Freeform: Shape 20">
               <a:extLst>
                 <a:ext uri="{FF2B5EF4-FFF2-40B4-BE49-F238E27FC236}">
-                  <a16:creationId xmlns:a16="http://schemas.microsoft.com/office/drawing/2014/main" xmlns="" id="{99EAE0E3-2EAF-4822-ABEE-AA0989843956}"/>
+                  <a16:creationId xmlns="" xmlns:a16="http://schemas.microsoft.com/office/drawing/2014/main" id="{99EAE0E3-2EAF-4822-ABEE-AA0989843956}"/>
                 </a:ext>
               </a:extLst>
             </p:cNvPr>
@@ -10166,7 +10914,7 @@
             <p:cNvPr id="14" name="Freeform: Shape 21">
               <a:extLst>
                 <a:ext uri="{FF2B5EF4-FFF2-40B4-BE49-F238E27FC236}">
-                  <a16:creationId xmlns:a16="http://schemas.microsoft.com/office/drawing/2014/main" xmlns="" id="{335ED4B6-79BA-495C-952A-F325611AAE62}"/>
+                  <a16:creationId xmlns="" xmlns:a16="http://schemas.microsoft.com/office/drawing/2014/main" id="{335ED4B6-79BA-495C-952A-F325611AAE62}"/>
                 </a:ext>
               </a:extLst>
             </p:cNvPr>
@@ -10383,7 +11131,7 @@
             <p:cNvPr id="15" name="Group 22">
               <a:extLst>
                 <a:ext uri="{FF2B5EF4-FFF2-40B4-BE49-F238E27FC236}">
-                  <a16:creationId xmlns:a16="http://schemas.microsoft.com/office/drawing/2014/main" xmlns="" id="{04305980-5073-489D-88E6-3C4206CB97C8}"/>
+                  <a16:creationId xmlns="" xmlns:a16="http://schemas.microsoft.com/office/drawing/2014/main" id="{04305980-5073-489D-88E6-3C4206CB97C8}"/>
                 </a:ext>
               </a:extLst>
             </p:cNvPr>
@@ -10403,7 +11151,7 @@
               <p:cNvPr id="20" name="Rectangle: Rounded Corners 27">
                 <a:extLst>
                   <a:ext uri="{FF2B5EF4-FFF2-40B4-BE49-F238E27FC236}">
-                    <a16:creationId xmlns:a16="http://schemas.microsoft.com/office/drawing/2014/main" xmlns="" id="{05FE3BAB-67AA-4A93-A378-A96C2DE64C91}"/>
+                    <a16:creationId xmlns="" xmlns:a16="http://schemas.microsoft.com/office/drawing/2014/main" id="{05FE3BAB-67AA-4A93-A378-A96C2DE64C91}"/>
                   </a:ext>
                 </a:extLst>
               </p:cNvPr>
@@ -10459,7 +11207,7 @@
               <p:cNvPr id="21" name="Rectangle: Rounded Corners 28">
                 <a:extLst>
                   <a:ext uri="{FF2B5EF4-FFF2-40B4-BE49-F238E27FC236}">
-                    <a16:creationId xmlns:a16="http://schemas.microsoft.com/office/drawing/2014/main" xmlns="" id="{BEB7959B-03BC-409F-8210-282B6E88A9F1}"/>
+                    <a16:creationId xmlns="" xmlns:a16="http://schemas.microsoft.com/office/drawing/2014/main" id="{BEB7959B-03BC-409F-8210-282B6E88A9F1}"/>
                   </a:ext>
                 </a:extLst>
               </p:cNvPr>
@@ -10517,7 +11265,7 @@
             <p:cNvPr id="16" name="Group 23">
               <a:extLst>
                 <a:ext uri="{FF2B5EF4-FFF2-40B4-BE49-F238E27FC236}">
-                  <a16:creationId xmlns:a16="http://schemas.microsoft.com/office/drawing/2014/main" xmlns="" id="{8674A0E0-9FEF-4973-9334-6EF05A29FAEC}"/>
+                  <a16:creationId xmlns="" xmlns:a16="http://schemas.microsoft.com/office/drawing/2014/main" id="{8674A0E0-9FEF-4973-9334-6EF05A29FAEC}"/>
                 </a:ext>
               </a:extLst>
             </p:cNvPr>
@@ -10537,7 +11285,7 @@
               <p:cNvPr id="18" name="Rectangle: Rounded Corners 25">
                 <a:extLst>
                   <a:ext uri="{FF2B5EF4-FFF2-40B4-BE49-F238E27FC236}">
-                    <a16:creationId xmlns:a16="http://schemas.microsoft.com/office/drawing/2014/main" xmlns="" id="{2D8E9D11-0FAD-4785-BD88-41C264547F01}"/>
+                    <a16:creationId xmlns="" xmlns:a16="http://schemas.microsoft.com/office/drawing/2014/main" id="{2D8E9D11-0FAD-4785-BD88-41C264547F01}"/>
                   </a:ext>
                 </a:extLst>
               </p:cNvPr>
@@ -10593,7 +11341,7 @@
               <p:cNvPr id="19" name="Rectangle: Rounded Corners 26">
                 <a:extLst>
                   <a:ext uri="{FF2B5EF4-FFF2-40B4-BE49-F238E27FC236}">
-                    <a16:creationId xmlns:a16="http://schemas.microsoft.com/office/drawing/2014/main" xmlns="" id="{15499783-0771-4627-A237-65C6F3F96B89}"/>
+                    <a16:creationId xmlns="" xmlns:a16="http://schemas.microsoft.com/office/drawing/2014/main" id="{15499783-0771-4627-A237-65C6F3F96B89}"/>
                   </a:ext>
                 </a:extLst>
               </p:cNvPr>
@@ -10651,7 +11399,7 @@
             <p:cNvPr id="17" name="Freeform: Shape 24">
               <a:extLst>
                 <a:ext uri="{FF2B5EF4-FFF2-40B4-BE49-F238E27FC236}">
-                  <a16:creationId xmlns:a16="http://schemas.microsoft.com/office/drawing/2014/main" xmlns="" id="{570999E2-58FA-43E3-BCE2-4FACB83866A6}"/>
+                  <a16:creationId xmlns="" xmlns:a16="http://schemas.microsoft.com/office/drawing/2014/main" id="{570999E2-58FA-43E3-BCE2-4FACB83866A6}"/>
                 </a:ext>
               </a:extLst>
             </p:cNvPr>
@@ -11017,10 +11765,6 @@
               </a:rPr>
               <a:t>(Gestures)</a:t>
             </a:r>
-            <a:endParaRPr lang="en-US" altLang="zh-TW" sz="3200" b="1" dirty="0" smtClean="0">
-              <a:latin typeface="微軟正黑體" pitchFamily="34" charset="-120"/>
-              <a:ea typeface="微軟正黑體" pitchFamily="34" charset="-120"/>
-            </a:endParaRPr>
           </a:p>
         </p:txBody>
       </p:sp>
@@ -11062,10 +11806,6 @@
               </a:rPr>
               <a:t>(Actions)</a:t>
             </a:r>
-            <a:endParaRPr lang="en-US" altLang="zh-TW" sz="3200" b="1" dirty="0" smtClean="0">
-              <a:latin typeface="微軟正黑體" pitchFamily="34" charset="-120"/>
-              <a:ea typeface="微軟正黑體" pitchFamily="34" charset="-120"/>
-            </a:endParaRPr>
           </a:p>
         </p:txBody>
       </p:sp>
@@ -11110,7 +11850,7 @@
     </p:spTree>
     <p:extLst>
       <p:ext uri="{BB962C8B-B14F-4D97-AF65-F5344CB8AC3E}">
-        <p14:creationId xmlns:p14="http://schemas.microsoft.com/office/powerpoint/2010/main" xmlns="" val="120693790"/>
+        <p14:creationId xmlns="" xmlns:p14="http://schemas.microsoft.com/office/powerpoint/2010/main" val="120693790"/>
       </p:ext>
     </p:extLst>
   </p:cSld>
@@ -13245,8 +13985,8 @@
         </p:nvSpPr>
         <p:spPr>
           <a:xfrm>
-            <a:off x="1270535" y="180031"/>
-            <a:ext cx="7686720" cy="1015663"/>
+            <a:off x="195943" y="4808015"/>
+            <a:ext cx="3685624" cy="523220"/>
           </a:xfrm>
           <a:prstGeom prst="rect">
             <a:avLst/>
@@ -13262,13 +14002,13 @@
               <a:buNone/>
             </a:pPr>
             <a:r>
-              <a:rPr lang="zh-TW" altLang="en-US" sz="6000" b="1" dirty="0" smtClean="0">
+              <a:rPr lang="zh-TW" altLang="en-US" sz="2800" b="1" dirty="0" smtClean="0">
                 <a:latin typeface="微軟正黑體" pitchFamily="34" charset="-120"/>
                 <a:ea typeface="微軟正黑體" pitchFamily="34" charset="-120"/>
               </a:rPr>
               <a:t>工廠  無接觸 手勢操作</a:t>
             </a:r>
-            <a:endParaRPr lang="en-US" altLang="zh-TW" sz="6000" b="1" dirty="0" smtClean="0">
+            <a:endParaRPr lang="en-US" altLang="zh-TW" sz="2800" b="1" dirty="0" smtClean="0">
               <a:latin typeface="微軟正黑體" pitchFamily="34" charset="-120"/>
               <a:ea typeface="微軟正黑體" pitchFamily="34" charset="-120"/>
             </a:endParaRPr>
@@ -13283,8 +14023,8 @@
         </p:nvSpPr>
         <p:spPr>
           <a:xfrm>
-            <a:off x="260416" y="5437857"/>
-            <a:ext cx="3454792" cy="1015663"/>
+            <a:off x="423922" y="5391204"/>
+            <a:ext cx="3127779" cy="923330"/>
           </a:xfrm>
           <a:prstGeom prst="rect">
             <a:avLst/>
@@ -13300,13 +14040,13 @@
               <a:buNone/>
             </a:pPr>
             <a:r>
-              <a:rPr lang="zh-TW" altLang="en-US" sz="6000" b="1" dirty="0" smtClean="0">
+              <a:rPr lang="zh-TW" altLang="en-US" sz="5400" b="1" dirty="0" smtClean="0">
                 <a:latin typeface="微軟正黑體" pitchFamily="34" charset="-120"/>
                 <a:ea typeface="微軟正黑體" pitchFamily="34" charset="-120"/>
               </a:rPr>
               <a:t>安全 衛生</a:t>
             </a:r>
-            <a:endParaRPr lang="en-US" altLang="zh-TW" sz="6000" b="1" dirty="0" smtClean="0">
+            <a:endParaRPr lang="en-US" altLang="zh-TW" sz="5400" b="1" dirty="0" smtClean="0">
               <a:latin typeface="微軟正黑體" pitchFamily="34" charset="-120"/>
               <a:ea typeface="微軟正黑體" pitchFamily="34" charset="-120"/>
             </a:endParaRPr>
@@ -13348,14 +14088,60 @@
       </p:grpSpPr>
       <p:sp>
         <p:nvSpPr>
+          <p:cNvPr id="27" name="矩形 26"/>
+          <p:cNvSpPr/>
+          <p:nvPr/>
+        </p:nvSpPr>
+        <p:spPr>
+          <a:xfrm>
+            <a:off x="-1073020" y="0"/>
+            <a:ext cx="14042571" cy="2062065"/>
+          </a:xfrm>
+          <a:prstGeom prst="rect">
+            <a:avLst/>
+          </a:prstGeom>
+          <a:solidFill>
+            <a:schemeClr val="bg1"/>
+          </a:solidFill>
+          <a:ln>
+            <a:noFill/>
+          </a:ln>
+        </p:spPr>
+        <p:style>
+          <a:lnRef idx="2">
+            <a:schemeClr val="accent1">
+              <a:shade val="50000"/>
+            </a:schemeClr>
+          </a:lnRef>
+          <a:fillRef idx="1">
+            <a:schemeClr val="accent1"/>
+          </a:fillRef>
+          <a:effectRef idx="0">
+            <a:schemeClr val="accent1"/>
+          </a:effectRef>
+          <a:fontRef idx="minor">
+            <a:schemeClr val="lt1"/>
+          </a:fontRef>
+        </p:style>
+        <p:txBody>
+          <a:bodyPr rtlCol="0" anchor="ctr"/>
+          <a:lstStyle/>
+          <a:p>
+            <a:pPr algn="ctr"/>
+            <a:endParaRPr lang="zh-TW" altLang="en-US"/>
+          </a:p>
+        </p:txBody>
+      </p:sp>
+      <p:sp>
+        <p:nvSpPr>
           <p:cNvPr id="5" name="矩形 4"/>
           <p:cNvSpPr/>
           <p:nvPr/>
         </p:nvSpPr>
         <p:spPr>
           <a:xfrm>
-            <a:off x="7263235" y="5451251"/>
-            <a:ext cx="3454792" cy="1015663"/>
+            <a:off x="7529378" y="4779446"/>
+            <a:ext cx="3127780" cy="923330"/>
           </a:xfrm>
           <a:prstGeom prst="rect">
             <a:avLst/>
@@ -13371,13 +14157,13 @@
               <a:buNone/>
             </a:pPr>
             <a:r>
-              <a:rPr lang="zh-TW" altLang="en-US" sz="6000" b="1" dirty="0" smtClean="0">
+              <a:rPr lang="zh-TW" altLang="en-US" sz="5400" b="1" dirty="0" smtClean="0">
                 <a:latin typeface="微軟正黑體" pitchFamily="34" charset="-120"/>
                 <a:ea typeface="微軟正黑體" pitchFamily="34" charset="-120"/>
               </a:rPr>
-              <a:t>帥氣 自由</a:t>
+              <a:t>自由 有型</a:t>
             </a:r>
-            <a:endParaRPr lang="en-US" altLang="zh-TW" sz="6000" b="1" dirty="0" smtClean="0">
+            <a:endParaRPr lang="en-US" altLang="zh-TW" sz="5400" b="1" dirty="0" smtClean="0">
               <a:latin typeface="微軟正黑體" pitchFamily="34" charset="-120"/>
               <a:ea typeface="微軟正黑體" pitchFamily="34" charset="-120"/>
             </a:endParaRPr>
@@ -13459,8 +14245,8 @@
         </p:nvSpPr>
         <p:spPr>
           <a:xfrm>
-            <a:off x="6111352" y="659257"/>
-            <a:ext cx="5897768" cy="923330"/>
+            <a:off x="7477396" y="1181771"/>
+            <a:ext cx="3147015" cy="523220"/>
           </a:xfrm>
           <a:prstGeom prst="rect">
             <a:avLst/>
@@ -13476,13 +14262,20 @@
               <a:buNone/>
             </a:pPr>
             <a:r>
-              <a:rPr lang="zh-TW" altLang="en-US" sz="5400" b="1" dirty="0" smtClean="0">
+              <a:rPr lang="zh-TW" altLang="en-US" sz="2800" b="1" dirty="0" smtClean="0">
                 <a:latin typeface="微軟正黑體" pitchFamily="34" charset="-120"/>
                 <a:ea typeface="微軟正黑體" pitchFamily="34" charset="-120"/>
               </a:rPr>
-              <a:t>手勢操作 會議設備</a:t>
+              <a:t>手勢操作 </a:t>
             </a:r>
-            <a:endParaRPr lang="en-US" altLang="zh-TW" sz="5400" b="1" dirty="0" smtClean="0">
+            <a:r>
+              <a:rPr lang="zh-TW" altLang="en-US" sz="2800" b="1" dirty="0" smtClean="0">
+                <a:latin typeface="微軟正黑體" pitchFamily="34" charset="-120"/>
+                <a:ea typeface="微軟正黑體" pitchFamily="34" charset="-120"/>
+              </a:rPr>
+              <a:t>會議簡報</a:t>
+            </a:r>
+            <a:endParaRPr lang="en-US" altLang="zh-TW" sz="2800" b="1" dirty="0" smtClean="0">
               <a:latin typeface="微軟正黑體" pitchFamily="34" charset="-120"/>
               <a:ea typeface="微軟正黑體" pitchFamily="34" charset="-120"/>
             </a:endParaRPr>
@@ -13494,7 +14287,7 @@
           <p:cNvPr id="8" name="Group 3">
             <a:extLst>
               <a:ext uri="{FF2B5EF4-FFF2-40B4-BE49-F238E27FC236}">
-                <a16:creationId xmlns:a16="http://schemas.microsoft.com/office/drawing/2014/main" xmlns="" id="{DF53E99B-EB5C-4F39-8627-7A4B90BF9E2D}"/>
+                <a16:creationId xmlns="" xmlns:a16="http://schemas.microsoft.com/office/drawing/2014/main" id="{DF53E99B-EB5C-4F39-8627-7A4B90BF9E2D}"/>
               </a:ext>
             </a:extLst>
           </p:cNvPr>
@@ -13503,7 +14296,7 @@
         </p:nvGrpSpPr>
         <p:grpSpPr>
           <a:xfrm>
-            <a:off x="6588956" y="2107934"/>
+            <a:off x="6458327" y="1762701"/>
             <a:ext cx="5343161" cy="2935704"/>
             <a:chOff x="-548507" y="477868"/>
             <a:chExt cx="11570449" cy="6357177"/>
@@ -13514,7 +14307,7 @@
             <p:cNvPr id="9" name="Freeform: Shape 17">
               <a:extLst>
                 <a:ext uri="{FF2B5EF4-FFF2-40B4-BE49-F238E27FC236}">
-                  <a16:creationId xmlns:a16="http://schemas.microsoft.com/office/drawing/2014/main" xmlns="" id="{F28852A3-5375-4EEC-9E29-9643FCF604C9}"/>
+                  <a16:creationId xmlns="" xmlns:a16="http://schemas.microsoft.com/office/drawing/2014/main" id="{F28852A3-5375-4EEC-9E29-9643FCF604C9}"/>
                 </a:ext>
               </a:extLst>
             </p:cNvPr>
@@ -13667,7 +14460,7 @@
             <p:cNvPr id="10" name="Freeform: Shape 18">
               <a:extLst>
                 <a:ext uri="{FF2B5EF4-FFF2-40B4-BE49-F238E27FC236}">
-                  <a16:creationId xmlns:a16="http://schemas.microsoft.com/office/drawing/2014/main" xmlns="" id="{D3540B61-E964-4FA6-BFF0-6DF55C8371B1}"/>
+                  <a16:creationId xmlns="" xmlns:a16="http://schemas.microsoft.com/office/drawing/2014/main" id="{D3540B61-E964-4FA6-BFF0-6DF55C8371B1}"/>
                 </a:ext>
               </a:extLst>
             </p:cNvPr>
@@ -13795,7 +14588,7 @@
             <p:cNvPr id="11" name="Freeform: Shape 19">
               <a:extLst>
                 <a:ext uri="{FF2B5EF4-FFF2-40B4-BE49-F238E27FC236}">
-                  <a16:creationId xmlns:a16="http://schemas.microsoft.com/office/drawing/2014/main" xmlns="" id="{416BC11E-15E6-464C-8CB1-E9722CE8BA92}"/>
+                  <a16:creationId xmlns="" xmlns:a16="http://schemas.microsoft.com/office/drawing/2014/main" id="{416BC11E-15E6-464C-8CB1-E9722CE8BA92}"/>
                 </a:ext>
               </a:extLst>
             </p:cNvPr>
@@ -13875,7 +14668,7 @@
             <p:cNvPr id="12" name="Freeform: Shape 20">
               <a:extLst>
                 <a:ext uri="{FF2B5EF4-FFF2-40B4-BE49-F238E27FC236}">
-                  <a16:creationId xmlns:a16="http://schemas.microsoft.com/office/drawing/2014/main" xmlns="" id="{99EAE0E3-2EAF-4822-ABEE-AA0989843956}"/>
+                  <a16:creationId xmlns="" xmlns:a16="http://schemas.microsoft.com/office/drawing/2014/main" id="{99EAE0E3-2EAF-4822-ABEE-AA0989843956}"/>
                 </a:ext>
               </a:extLst>
             </p:cNvPr>
@@ -14023,7 +14816,7 @@
             <p:cNvPr id="13" name="Freeform: Shape 21">
               <a:extLst>
                 <a:ext uri="{FF2B5EF4-FFF2-40B4-BE49-F238E27FC236}">
-                  <a16:creationId xmlns:a16="http://schemas.microsoft.com/office/drawing/2014/main" xmlns="" id="{335ED4B6-79BA-495C-952A-F325611AAE62}"/>
+                  <a16:creationId xmlns="" xmlns:a16="http://schemas.microsoft.com/office/drawing/2014/main" id="{335ED4B6-79BA-495C-952A-F325611AAE62}"/>
                 </a:ext>
               </a:extLst>
             </p:cNvPr>
@@ -14240,7 +15033,7 @@
             <p:cNvPr id="14" name="Group 22">
               <a:extLst>
                 <a:ext uri="{FF2B5EF4-FFF2-40B4-BE49-F238E27FC236}">
-                  <a16:creationId xmlns:a16="http://schemas.microsoft.com/office/drawing/2014/main" xmlns="" id="{04305980-5073-489D-88E6-3C4206CB97C8}"/>
+                  <a16:creationId xmlns="" xmlns:a16="http://schemas.microsoft.com/office/drawing/2014/main" id="{04305980-5073-489D-88E6-3C4206CB97C8}"/>
                 </a:ext>
               </a:extLst>
             </p:cNvPr>
@@ -14260,7 +15053,7 @@
               <p:cNvPr id="19" name="Rectangle: Rounded Corners 27">
                 <a:extLst>
                   <a:ext uri="{FF2B5EF4-FFF2-40B4-BE49-F238E27FC236}">
-                    <a16:creationId xmlns:a16="http://schemas.microsoft.com/office/drawing/2014/main" xmlns="" id="{05FE3BAB-67AA-4A93-A378-A96C2DE64C91}"/>
+                    <a16:creationId xmlns="" xmlns:a16="http://schemas.microsoft.com/office/drawing/2014/main" id="{05FE3BAB-67AA-4A93-A378-A96C2DE64C91}"/>
                   </a:ext>
                 </a:extLst>
               </p:cNvPr>
@@ -14316,7 +15109,7 @@
               <p:cNvPr id="20" name="Rectangle: Rounded Corners 28">
                 <a:extLst>
                   <a:ext uri="{FF2B5EF4-FFF2-40B4-BE49-F238E27FC236}">
-                    <a16:creationId xmlns:a16="http://schemas.microsoft.com/office/drawing/2014/main" xmlns="" id="{BEB7959B-03BC-409F-8210-282B6E88A9F1}"/>
+                    <a16:creationId xmlns="" xmlns:a16="http://schemas.microsoft.com/office/drawing/2014/main" id="{BEB7959B-03BC-409F-8210-282B6E88A9F1}"/>
                   </a:ext>
                 </a:extLst>
               </p:cNvPr>
@@ -14374,7 +15167,7 @@
             <p:cNvPr id="15" name="Group 23">
               <a:extLst>
                 <a:ext uri="{FF2B5EF4-FFF2-40B4-BE49-F238E27FC236}">
-                  <a16:creationId xmlns:a16="http://schemas.microsoft.com/office/drawing/2014/main" xmlns="" id="{8674A0E0-9FEF-4973-9334-6EF05A29FAEC}"/>
+                  <a16:creationId xmlns="" xmlns:a16="http://schemas.microsoft.com/office/drawing/2014/main" id="{8674A0E0-9FEF-4973-9334-6EF05A29FAEC}"/>
                 </a:ext>
               </a:extLst>
             </p:cNvPr>
@@ -14394,7 +15187,7 @@
               <p:cNvPr id="17" name="Rectangle: Rounded Corners 25">
                 <a:extLst>
                   <a:ext uri="{FF2B5EF4-FFF2-40B4-BE49-F238E27FC236}">
-                    <a16:creationId xmlns:a16="http://schemas.microsoft.com/office/drawing/2014/main" xmlns="" id="{2D8E9D11-0FAD-4785-BD88-41C264547F01}"/>
+                    <a16:creationId xmlns="" xmlns:a16="http://schemas.microsoft.com/office/drawing/2014/main" id="{2D8E9D11-0FAD-4785-BD88-41C264547F01}"/>
                   </a:ext>
                 </a:extLst>
               </p:cNvPr>
@@ -14450,7 +15243,7 @@
               <p:cNvPr id="18" name="Rectangle: Rounded Corners 26">
                 <a:extLst>
                   <a:ext uri="{FF2B5EF4-FFF2-40B4-BE49-F238E27FC236}">
-                    <a16:creationId xmlns:a16="http://schemas.microsoft.com/office/drawing/2014/main" xmlns="" id="{15499783-0771-4627-A237-65C6F3F96B89}"/>
+                    <a16:creationId xmlns="" xmlns:a16="http://schemas.microsoft.com/office/drawing/2014/main" id="{15499783-0771-4627-A237-65C6F3F96B89}"/>
                   </a:ext>
                 </a:extLst>
               </p:cNvPr>
@@ -14508,7 +15301,7 @@
             <p:cNvPr id="16" name="Freeform: Shape 24">
               <a:extLst>
                 <a:ext uri="{FF2B5EF4-FFF2-40B4-BE49-F238E27FC236}">
-                  <a16:creationId xmlns:a16="http://schemas.microsoft.com/office/drawing/2014/main" xmlns="" id="{570999E2-58FA-43E3-BCE2-4FACB83866A6}"/>
+                  <a16:creationId xmlns="" xmlns:a16="http://schemas.microsoft.com/office/drawing/2014/main" id="{570999E2-58FA-43E3-BCE2-4FACB83866A6}"/>
                 </a:ext>
               </a:extLst>
             </p:cNvPr>
@@ -14621,7 +15414,7 @@
         </p:nvCxnSpPr>
         <p:spPr>
           <a:xfrm>
-            <a:off x="4786946" y="3516472"/>
+            <a:off x="4656317" y="3171239"/>
             <a:ext cx="2085490" cy="0"/>
           </a:xfrm>
           <a:prstGeom prst="straightConnector1">
@@ -14655,7 +15448,7 @@
         </p:nvSpPr>
         <p:spPr>
           <a:xfrm rot="16200000">
-            <a:off x="9850578" y="3254518"/>
+            <a:off x="9719949" y="2909285"/>
             <a:ext cx="1068766" cy="529389"/>
           </a:xfrm>
           <a:prstGeom prst="rightArrow">
@@ -14695,7 +15488,7 @@
         </p:nvSpPr>
         <p:spPr>
           <a:xfrm rot="5400000">
-            <a:off x="7660303" y="3319996"/>
+            <a:off x="7529674" y="2974763"/>
             <a:ext cx="1068766" cy="529389"/>
           </a:xfrm>
           <a:prstGeom prst="rightArrow">
@@ -14735,7 +15528,7 @@
         </p:nvSpPr>
         <p:spPr>
           <a:xfrm>
-            <a:off x="9929835" y="2597544"/>
+            <a:off x="9799206" y="2252311"/>
             <a:ext cx="1063690" cy="369332"/>
           </a:xfrm>
           <a:prstGeom prst="rect">
@@ -14771,7 +15564,7 @@
         </p:nvSpPr>
         <p:spPr>
           <a:xfrm>
-            <a:off x="7688981" y="2647602"/>
+            <a:off x="7558352" y="2302369"/>
             <a:ext cx="1063690" cy="369332"/>
           </a:xfrm>
           <a:prstGeom prst="rect">
@@ -14837,7 +15630,7 @@
         </p:blipFill>
         <p:spPr bwMode="auto">
           <a:xfrm>
-            <a:off x="5228089" y="2482231"/>
+            <a:off x="5097460" y="2136998"/>
             <a:ext cx="1009081" cy="1009081"/>
           </a:xfrm>
           <a:prstGeom prst="rect">
@@ -14865,9 +15658,9 @@
 </file>
 
 <file path=ppt/theme/theme1.xml><?xml version="1.0" encoding="utf-8"?>
-<a:theme xmlns:a="http://schemas.openxmlformats.org/drawingml/2006/main" name="Office 佈景主題">
+<a:theme xmlns:a="http://schemas.openxmlformats.org/drawingml/2006/main" name="模組">
   <a:themeElements>
-    <a:clrScheme name="Office">
+    <a:clrScheme name="模組">
       <a:dk1>
         <a:sysClr val="windowText" lastClr="000000"/>
       </a:dk1>
@@ -14875,52 +15668,52 @@
         <a:sysClr val="window" lastClr="FFFFFF"/>
       </a:lt1>
       <a:dk2>
-        <a:srgbClr val="1F497D"/>
+        <a:srgbClr val="5A6378"/>
       </a:dk2>
       <a:lt2>
-        <a:srgbClr val="EEECE1"/>
+        <a:srgbClr val="D4D4D6"/>
       </a:lt2>
       <a:accent1>
-        <a:srgbClr val="4F81BD"/>
+        <a:srgbClr val="F0AD00"/>
       </a:accent1>
       <a:accent2>
-        <a:srgbClr val="C0504D"/>
+        <a:srgbClr val="60B5CC"/>
       </a:accent2>
       <a:accent3>
-        <a:srgbClr val="9BBB59"/>
+        <a:srgbClr val="E66C7D"/>
       </a:accent3>
       <a:accent4>
-        <a:srgbClr val="8064A2"/>
+        <a:srgbClr val="6BB76D"/>
       </a:accent4>
       <a:accent5>
-        <a:srgbClr val="4BACC6"/>
+        <a:srgbClr val="E88651"/>
       </a:accent5>
       <a:accent6>
-        <a:srgbClr val="F79646"/>
+        <a:srgbClr val="C64847"/>
       </a:accent6>
       <a:hlink>
-        <a:srgbClr val="0000FF"/>
+        <a:srgbClr val="168BBA"/>
       </a:hlink>
       <a:folHlink>
-        <a:srgbClr val="800080"/>
+        <a:srgbClr val="680000"/>
       </a:folHlink>
     </a:clrScheme>
-    <a:fontScheme name="Office">
+    <a:fontScheme name="模組">
       <a:majorFont>
-        <a:latin typeface="Calibri"/>
+        <a:latin typeface="Corbel"/>
         <a:ea typeface=""/>
         <a:cs typeface=""/>
-        <a:font script="Jpan" typeface="ＭＳ Ｐゴシック"/>
-        <a:font script="Hang" typeface="맑은 고딕"/>
-        <a:font script="Hans" typeface="宋体"/>
+        <a:font script="Jpan" typeface="HGｺﾞｼｯｸM"/>
+        <a:font script="Hang" typeface="HY엽서L"/>
+        <a:font script="Hans" typeface="华文楷体"/>
         <a:font script="Hant" typeface="新細明體"/>
-        <a:font script="Arab" typeface="Times New Roman"/>
-        <a:font script="Hebr" typeface="Times New Roman"/>
-        <a:font script="Thai" typeface="Angsana New"/>
+        <a:font script="Arab" typeface="Tahoma"/>
+        <a:font script="Hebr" typeface="Miriam"/>
+        <a:font script="Thai" typeface="DilleniaUPC"/>
         <a:font script="Ethi" typeface="Nyala"/>
         <a:font script="Beng" typeface="Vrinda"/>
         <a:font script="Gujr" typeface="Shruti"/>
-        <a:font script="Khmr" typeface="MoolBoran"/>
+        <a:font script="Khmr" typeface="DaunPenh"/>
         <a:font script="Knda" typeface="Tunga"/>
         <a:font script="Guru" typeface="Raavi"/>
         <a:font script="Cans" typeface="Euphemia"/>
@@ -14937,20 +15730,20 @@
         <a:font script="Laoo" typeface="DokChampa"/>
         <a:font script="Sinh" typeface="Iskoola Pota"/>
         <a:font script="Mong" typeface="Mongolian Baiti"/>
-        <a:font script="Viet" typeface="Times New Roman"/>
+        <a:font script="Viet" typeface="Arial"/>
         <a:font script="Uigh" typeface="Microsoft Uighur"/>
       </a:majorFont>
       <a:minorFont>
-        <a:latin typeface="Calibri"/>
+        <a:latin typeface="Corbel"/>
         <a:ea typeface=""/>
         <a:cs typeface=""/>
-        <a:font script="Jpan" typeface="ＭＳ Ｐゴシック"/>
-        <a:font script="Hang" typeface="맑은 고딕"/>
-        <a:font script="Hans" typeface="宋体"/>
+        <a:font script="Jpan" typeface="HGｺﾞｼｯｸM"/>
+        <a:font script="Hang" typeface="HY엽서L"/>
+        <a:font script="Hans" typeface="华文楷体"/>
         <a:font script="Hant" typeface="新細明體"/>
-        <a:font script="Arab" typeface="Arial"/>
-        <a:font script="Hebr" typeface="Arial"/>
-        <a:font script="Thai" typeface="Cordia New"/>
+        <a:font script="Arab" typeface="Tahoma"/>
+        <a:font script="Hebr" typeface="Miriam"/>
+        <a:font script="Thai" typeface="DilleniaUPC"/>
         <a:font script="Ethi" typeface="Nyala"/>
         <a:font script="Beng" typeface="Vrinda"/>
         <a:font script="Gujr" typeface="Shruti"/>
@@ -14975,7 +15768,7 @@
         <a:font script="Uigh" typeface="Microsoft Uighur"/>
       </a:minorFont>
     </a:fontScheme>
-    <a:fmtScheme name="Office">
+    <a:fmtScheme name="模組">
       <a:fillStyleLst>
         <a:solidFill>
           <a:schemeClr val="phClr"/>
@@ -15007,20 +15800,20 @@
           <a:gsLst>
             <a:gs pos="0">
               <a:schemeClr val="phClr">
-                <a:shade val="51000"/>
-                <a:satMod val="130000"/>
+                <a:shade val="47500"/>
+                <a:satMod val="137000"/>
               </a:schemeClr>
             </a:gs>
-            <a:gs pos="80000">
+            <a:gs pos="55000">
               <a:schemeClr val="phClr">
-                <a:shade val="93000"/>
-                <a:satMod val="130000"/>
+                <a:shade val="69000"/>
+                <a:satMod val="137000"/>
               </a:schemeClr>
             </a:gs>
             <a:gs pos="100000">
               <a:schemeClr val="phClr">
-                <a:shade val="94000"/>
-                <a:satMod val="135000"/>
+                <a:shade val="98000"/>
+                <a:satMod val="137000"/>
               </a:schemeClr>
             </a:gs>
           </a:gsLst>
@@ -15028,7 +15821,7 @@
         </a:gradFill>
       </a:fillStyleLst>
       <a:lnStyleLst>
-        <a:ln w="9525" cap="flat" cmpd="sng" algn="ctr">
+        <a:ln w="6350" cap="rnd" cmpd="sng" algn="ctr">
           <a:solidFill>
             <a:schemeClr val="phClr">
               <a:shade val="95000"/>
@@ -15037,13 +15830,13 @@
           </a:solidFill>
           <a:prstDash val="solid"/>
         </a:ln>
-        <a:ln w="25400" cap="flat" cmpd="sng" algn="ctr">
+        <a:ln w="48000" cap="flat" cmpd="thickThin" algn="ctr">
           <a:solidFill>
             <a:schemeClr val="phClr"/>
           </a:solidFill>
           <a:prstDash val="solid"/>
         </a:ln>
-        <a:ln w="38100" cap="flat" cmpd="sng" algn="ctr">
+        <a:ln w="48500" cap="flat" cmpd="thickThin" algn="ctr">
           <a:solidFill>
             <a:schemeClr val="phClr"/>
           </a:solidFill>
@@ -15053,7 +15846,7 @@
       <a:effectStyleLst>
         <a:effectStyle>
           <a:effectLst>
-            <a:outerShdw blurRad="40000" dist="20000" dir="5400000" rotWithShape="0">
+            <a:outerShdw blurRad="45000" dist="25000" dir="5400000" rotWithShape="0">
               <a:srgbClr val="000000">
                 <a:alpha val="38000"/>
               </a:srgbClr>
@@ -15062,31 +15855,31 @@
         </a:effectStyle>
         <a:effectStyle>
           <a:effectLst>
-            <a:outerShdw blurRad="40000" dist="23000" dir="5400000" rotWithShape="0">
+            <a:outerShdw blurRad="39000" dist="25400" dir="5400000" rotWithShape="0">
               <a:srgbClr val="000000">
-                <a:alpha val="35000"/>
+                <a:alpha val="38000"/>
               </a:srgbClr>
             </a:outerShdw>
           </a:effectLst>
         </a:effectStyle>
         <a:effectStyle>
           <a:effectLst>
-            <a:outerShdw blurRad="40000" dist="23000" dir="5400000" rotWithShape="0">
+            <a:outerShdw blurRad="39000" dist="25400" dir="5400000" rotWithShape="0">
               <a:srgbClr val="000000">
-                <a:alpha val="35000"/>
+                <a:alpha val="38000"/>
               </a:srgbClr>
             </a:outerShdw>
           </a:effectLst>
           <a:scene3d>
-            <a:camera prst="orthographicFront">
+            <a:camera prst="orthographicFront" fov="0">
               <a:rot lat="0" lon="0" rev="0"/>
             </a:camera>
             <a:lightRig rig="threePt" dir="t">
-              <a:rot lat="0" lon="0" rev="1200000"/>
+              <a:rot lat="0" lon="0" rev="1800000"/>
             </a:lightRig>
           </a:scene3d>
-          <a:sp3d>
-            <a:bevelT w="63500" h="25400"/>
+          <a:sp3d prstMaterial="matte">
+            <a:bevelT h="20000"/>
           </a:sp3d>
         </a:effectStyle>
       </a:effectStyleLst>
@@ -15098,47 +15891,47 @@
           <a:gsLst>
             <a:gs pos="0">
               <a:schemeClr val="phClr">
-                <a:tint val="40000"/>
-                <a:satMod val="350000"/>
+                <a:tint val="48000"/>
+                <a:satMod val="300000"/>
               </a:schemeClr>
             </a:gs>
-            <a:gs pos="40000">
+            <a:gs pos="12000">
               <a:schemeClr val="phClr">
-                <a:tint val="45000"/>
-                <a:shade val="99000"/>
-                <a:satMod val="350000"/>
+                <a:tint val="48000"/>
+                <a:satMod val="300000"/>
               </a:schemeClr>
             </a:gs>
-            <a:gs pos="100000">
+            <a:gs pos="20000">
               <a:schemeClr val="phClr">
-                <a:shade val="20000"/>
-                <a:satMod val="255000"/>
-              </a:schemeClr>
-            </a:gs>
-          </a:gsLst>
-          <a:path path="circle">
-            <a:fillToRect l="50000" t="-80000" r="50000" b="180000"/>
-          </a:path>
-        </a:gradFill>
-        <a:gradFill rotWithShape="1">
-          <a:gsLst>
-            <a:gs pos="0">
-              <a:schemeClr val="phClr">
-                <a:tint val="80000"/>
+                <a:tint val="49000"/>
                 <a:satMod val="300000"/>
               </a:schemeClr>
             </a:gs>
             <a:gs pos="100000">
               <a:schemeClr val="phClr">
                 <a:shade val="30000"/>
-                <a:satMod val="200000"/>
               </a:schemeClr>
             </a:gs>
           </a:gsLst>
           <a:path path="circle">
-            <a:fillToRect l="50000" t="50000" r="50000" b="50000"/>
+            <a:fillToRect l="10000" t="-25000" r="10000" b="125000"/>
           </a:path>
         </a:gradFill>
+        <a:blipFill>
+          <a:blip xmlns:r="http://schemas.openxmlformats.org/officeDocument/2006/relationships" r:embed="rId1">
+            <a:duotone>
+              <a:schemeClr val="phClr">
+                <a:shade val="75000"/>
+                <a:satMod val="105000"/>
+              </a:schemeClr>
+              <a:schemeClr val="phClr">
+                <a:tint val="95000"/>
+                <a:satMod val="105000"/>
+              </a:schemeClr>
+            </a:duotone>
+          </a:blip>
+          <a:tile tx="0" ty="0" sx="38000" sy="38000" flip="none" algn="tl"/>
+        </a:blipFill>
       </a:bgFillStyleLst>
     </a:fmtScheme>
   </a:themeElements>
